--- a/训练中心创客交叉融合空间建设/admin/新大楼规划建设/大楼平面导视图.pptx
+++ b/训练中心创客交叉融合空间建设/admin/新大楼规划建设/大楼平面导视图.pptx
@@ -113,6 +113,11 @@
       </a:defRPr>
     </a:lvl9pPr>
   </p:defaultTextStyle>
+  <p:extLst>
+    <p:ext uri="{EFAFB233-063F-42B5-8137-9DF3F51BA10A}">
+      <p15:sldGuideLst xmlns:p15="http://schemas.microsoft.com/office/powerpoint/2012/main"/>
+    </p:ext>
+  </p:extLst>
 </p:presentation>
 </file>
 
@@ -247,7 +252,7 @@
           <a:p>
             <a:fld id="{6F17D897-FFE1-4A89-B3F2-73659AB4226A}" type="datetimeFigureOut">
               <a:rPr lang="zh-CN" altLang="en-US" smtClean="0"/>
-              <a:t>2016/2/18</a:t>
+              <a:t>2016/2/20</a:t>
             </a:fld>
             <a:endParaRPr lang="zh-CN" altLang="en-US"/>
           </a:p>
@@ -417,7 +422,7 @@
           <a:p>
             <a:fld id="{6F17D897-FFE1-4A89-B3F2-73659AB4226A}" type="datetimeFigureOut">
               <a:rPr lang="zh-CN" altLang="en-US" smtClean="0"/>
-              <a:t>2016/2/18</a:t>
+              <a:t>2016/2/20</a:t>
             </a:fld>
             <a:endParaRPr lang="zh-CN" altLang="en-US"/>
           </a:p>
@@ -597,7 +602,7 @@
           <a:p>
             <a:fld id="{6F17D897-FFE1-4A89-B3F2-73659AB4226A}" type="datetimeFigureOut">
               <a:rPr lang="zh-CN" altLang="en-US" smtClean="0"/>
-              <a:t>2016/2/18</a:t>
+              <a:t>2016/2/20</a:t>
             </a:fld>
             <a:endParaRPr lang="zh-CN" altLang="en-US"/>
           </a:p>
@@ -767,7 +772,7 @@
           <a:p>
             <a:fld id="{6F17D897-FFE1-4A89-B3F2-73659AB4226A}" type="datetimeFigureOut">
               <a:rPr lang="zh-CN" altLang="en-US" smtClean="0"/>
-              <a:t>2016/2/18</a:t>
+              <a:t>2016/2/20</a:t>
             </a:fld>
             <a:endParaRPr lang="zh-CN" altLang="en-US"/>
           </a:p>
@@ -1013,7 +1018,7 @@
           <a:p>
             <a:fld id="{6F17D897-FFE1-4A89-B3F2-73659AB4226A}" type="datetimeFigureOut">
               <a:rPr lang="zh-CN" altLang="en-US" smtClean="0"/>
-              <a:t>2016/2/18</a:t>
+              <a:t>2016/2/20</a:t>
             </a:fld>
             <a:endParaRPr lang="zh-CN" altLang="en-US"/>
           </a:p>
@@ -1245,7 +1250,7 @@
           <a:p>
             <a:fld id="{6F17D897-FFE1-4A89-B3F2-73659AB4226A}" type="datetimeFigureOut">
               <a:rPr lang="zh-CN" altLang="en-US" smtClean="0"/>
-              <a:t>2016/2/18</a:t>
+              <a:t>2016/2/20</a:t>
             </a:fld>
             <a:endParaRPr lang="zh-CN" altLang="en-US"/>
           </a:p>
@@ -1612,7 +1617,7 @@
           <a:p>
             <a:fld id="{6F17D897-FFE1-4A89-B3F2-73659AB4226A}" type="datetimeFigureOut">
               <a:rPr lang="zh-CN" altLang="en-US" smtClean="0"/>
-              <a:t>2016/2/18</a:t>
+              <a:t>2016/2/20</a:t>
             </a:fld>
             <a:endParaRPr lang="zh-CN" altLang="en-US"/>
           </a:p>
@@ -1730,7 +1735,7 @@
           <a:p>
             <a:fld id="{6F17D897-FFE1-4A89-B3F2-73659AB4226A}" type="datetimeFigureOut">
               <a:rPr lang="zh-CN" altLang="en-US" smtClean="0"/>
-              <a:t>2016/2/18</a:t>
+              <a:t>2016/2/20</a:t>
             </a:fld>
             <a:endParaRPr lang="zh-CN" altLang="en-US"/>
           </a:p>
@@ -1825,7 +1830,7 @@
           <a:p>
             <a:fld id="{6F17D897-FFE1-4A89-B3F2-73659AB4226A}" type="datetimeFigureOut">
               <a:rPr lang="zh-CN" altLang="en-US" smtClean="0"/>
-              <a:t>2016/2/18</a:t>
+              <a:t>2016/2/20</a:t>
             </a:fld>
             <a:endParaRPr lang="zh-CN" altLang="en-US"/>
           </a:p>
@@ -2102,7 +2107,7 @@
           <a:p>
             <a:fld id="{6F17D897-FFE1-4A89-B3F2-73659AB4226A}" type="datetimeFigureOut">
               <a:rPr lang="zh-CN" altLang="en-US" smtClean="0"/>
-              <a:t>2016/2/18</a:t>
+              <a:t>2016/2/20</a:t>
             </a:fld>
             <a:endParaRPr lang="zh-CN" altLang="en-US"/>
           </a:p>
@@ -2359,7 +2364,7 @@
           <a:p>
             <a:fld id="{6F17D897-FFE1-4A89-B3F2-73659AB4226A}" type="datetimeFigureOut">
               <a:rPr lang="zh-CN" altLang="en-US" smtClean="0"/>
-              <a:t>2016/2/18</a:t>
+              <a:t>2016/2/20</a:t>
             </a:fld>
             <a:endParaRPr lang="zh-CN" altLang="en-US"/>
           </a:p>
@@ -2572,7 +2577,7 @@
           <a:p>
             <a:fld id="{6F17D897-FFE1-4A89-B3F2-73659AB4226A}" type="datetimeFigureOut">
               <a:rPr lang="zh-CN" altLang="en-US" smtClean="0"/>
-              <a:t>2016/2/18</a:t>
+              <a:t>2016/2/20</a:t>
             </a:fld>
             <a:endParaRPr lang="zh-CN" altLang="en-US"/>
           </a:p>
@@ -7478,36 +7483,6 @@
           <a:chExt cx="0" cy="0"/>
         </a:xfrm>
       </p:grpSpPr>
-      <p:pic>
-        <p:nvPicPr>
-          <p:cNvPr id="3" name="图片 2"/>
-          <p:cNvPicPr>
-            <a:picLocks noChangeAspect="1"/>
-          </p:cNvPicPr>
-          <p:nvPr/>
-        </p:nvPicPr>
-        <p:blipFill>
-          <a:blip r:embed="rId2" cstate="print">
-            <a:extLst>
-              <a:ext uri="{28A0092B-C50C-407E-A947-70E740481C1C}">
-                <a14:useLocalDpi xmlns:a14="http://schemas.microsoft.com/office/drawing/2010/main" val="0"/>
-              </a:ext>
-            </a:extLst>
-          </a:blip>
-          <a:stretch>
-            <a:fillRect/>
-          </a:stretch>
-        </p:blipFill>
-        <p:spPr>
-          <a:xfrm>
-            <a:off x="710967" y="1499532"/>
-            <a:ext cx="16191507" cy="7531163"/>
-          </a:xfrm>
-          <a:prstGeom prst="rect">
-            <a:avLst/>
-          </a:prstGeom>
-        </p:spPr>
-      </p:pic>
       <p:sp>
         <p:nvSpPr>
           <p:cNvPr id="24" name="文本框 23"/>
@@ -7545,1493 +7520,1775 @@
           </a:p>
         </p:txBody>
       </p:sp>
-      <p:grpSp>
-        <p:nvGrpSpPr>
-          <p:cNvPr id="26" name="组合 25"/>
-          <p:cNvGrpSpPr/>
+      <p:sp>
+        <p:nvSpPr>
+          <p:cNvPr id="5" name="矩形 4"/>
+          <p:cNvSpPr/>
           <p:nvPr/>
-        </p:nvGrpSpPr>
-        <p:grpSpPr>
+        </p:nvSpPr>
+        <p:spPr>
           <a:xfrm>
-            <a:off x="2265816" y="3285002"/>
-            <a:ext cx="13465093" cy="3965002"/>
-            <a:chOff x="2265816" y="3285002"/>
-            <a:chExt cx="13465093" cy="3965002"/>
+            <a:off x="6881947" y="3287721"/>
+            <a:ext cx="1167889" cy="1320760"/>
           </a:xfrm>
-        </p:grpSpPr>
-        <p:sp>
-          <p:nvSpPr>
-            <p:cNvPr id="5" name="矩形 4"/>
-            <p:cNvSpPr/>
-            <p:nvPr/>
-          </p:nvSpPr>
-          <p:spPr>
-            <a:xfrm>
-              <a:off x="6744367" y="3287721"/>
-              <a:ext cx="1305469" cy="1320760"/>
-            </a:xfrm>
-            <a:prstGeom prst="rect">
+          <a:prstGeom prst="rect">
+            <a:avLst/>
+          </a:prstGeom>
+          <a:solidFill>
+            <a:schemeClr val="accent2"/>
+          </a:solidFill>
+          <a:ln>
+            <a:noFill/>
+          </a:ln>
+          <a:scene3d>
+            <a:camera prst="orthographicFront"/>
+            <a:lightRig rig="balanced" dir="t"/>
+          </a:scene3d>
+        </p:spPr>
+        <p:style>
+          <a:lnRef idx="2">
+            <a:schemeClr val="accent1">
+              <a:shade val="50000"/>
+            </a:schemeClr>
+          </a:lnRef>
+          <a:fillRef idx="1">
+            <a:schemeClr val="accent1"/>
+          </a:fillRef>
+          <a:effectRef idx="0">
+            <a:schemeClr val="accent1"/>
+          </a:effectRef>
+          <a:fontRef idx="minor">
+            <a:schemeClr val="lt1"/>
+          </a:fontRef>
+        </p:style>
+        <p:txBody>
+          <a:bodyPr rot="0" spcFirstLastPara="0" vertOverflow="overflow" horzOverflow="overflow" vert="horz" wrap="square" lIns="0" tIns="117400" rIns="0" bIns="117400" numCol="1" spcCol="0" rtlCol="0" fromWordArt="0" anchor="ctr" anchorCtr="0" forceAA="0" compatLnSpc="1">
+            <a:prstTxWarp prst="textNoShape">
               <a:avLst/>
-            </a:prstGeom>
+            </a:prstTxWarp>
+            <a:noAutofit/>
+          </a:bodyPr>
+          <a:lstStyle/>
+          <a:p>
+            <a:pPr algn="ctr"/>
+            <a:r>
+              <a:rPr lang="en-US" altLang="zh-CN" sz="2000" dirty="0" smtClean="0">
+                <a:ea typeface="苏新诗柳楷繁" panose="02010600000101010101" pitchFamily="2" charset="-122"/>
+              </a:rPr>
+              <a:t>B447</a:t>
+            </a:r>
+          </a:p>
+          <a:p>
+            <a:pPr algn="ctr"/>
+            <a:r>
+              <a:rPr lang="zh-CN" altLang="en-US" sz="2000" dirty="0" smtClean="0">
+                <a:ea typeface="苏新诗柳楷繁" panose="02010600000101010101" pitchFamily="2" charset="-122"/>
+              </a:rPr>
+              <a:t>电子实践制作室</a:t>
+            </a:r>
+            <a:endParaRPr lang="zh-CN" altLang="en-US" sz="2000" dirty="0">
+              <a:ea typeface="苏新诗柳楷繁" panose="02010600000101010101" pitchFamily="2" charset="-122"/>
+            </a:endParaRPr>
+          </a:p>
+        </p:txBody>
+      </p:sp>
+      <p:sp>
+        <p:nvSpPr>
+          <p:cNvPr id="6" name="任意多边形 5"/>
+          <p:cNvSpPr/>
+          <p:nvPr/>
+        </p:nvSpPr>
+        <p:spPr>
+          <a:xfrm>
+            <a:off x="8765253" y="5219942"/>
+            <a:ext cx="1210696" cy="1027260"/>
+          </a:xfrm>
+          <a:custGeom>
+            <a:avLst/>
+            <a:gdLst>
+              <a:gd name="connsiteX0" fmla="*/ 0 w 471487"/>
+              <a:gd name="connsiteY0" fmla="*/ 0 h 400051"/>
+              <a:gd name="connsiteX1" fmla="*/ 185737 w 471487"/>
+              <a:gd name="connsiteY1" fmla="*/ 0 h 400051"/>
+              <a:gd name="connsiteX2" fmla="*/ 471487 w 471487"/>
+              <a:gd name="connsiteY2" fmla="*/ 0 h 400051"/>
+              <a:gd name="connsiteX3" fmla="*/ 471487 w 471487"/>
+              <a:gd name="connsiteY3" fmla="*/ 400051 h 400051"/>
+              <a:gd name="connsiteX4" fmla="*/ 185737 w 471487"/>
+              <a:gd name="connsiteY4" fmla="*/ 400051 h 400051"/>
+              <a:gd name="connsiteX5" fmla="*/ 185737 w 471487"/>
+              <a:gd name="connsiteY5" fmla="*/ 300039 h 400051"/>
+              <a:gd name="connsiteX6" fmla="*/ 0 w 471487"/>
+              <a:gd name="connsiteY6" fmla="*/ 300039 h 400051"/>
+            </a:gdLst>
+            <a:ahLst/>
+            <a:cxnLst>
+              <a:cxn ang="0">
+                <a:pos x="connsiteX0" y="connsiteY0"/>
+              </a:cxn>
+              <a:cxn ang="0">
+                <a:pos x="connsiteX1" y="connsiteY1"/>
+              </a:cxn>
+              <a:cxn ang="0">
+                <a:pos x="connsiteX2" y="connsiteY2"/>
+              </a:cxn>
+              <a:cxn ang="0">
+                <a:pos x="connsiteX3" y="connsiteY3"/>
+              </a:cxn>
+              <a:cxn ang="0">
+                <a:pos x="connsiteX4" y="connsiteY4"/>
+              </a:cxn>
+              <a:cxn ang="0">
+                <a:pos x="connsiteX5" y="connsiteY5"/>
+              </a:cxn>
+              <a:cxn ang="0">
+                <a:pos x="connsiteX6" y="connsiteY6"/>
+              </a:cxn>
+            </a:cxnLst>
+            <a:rect l="l" t="t" r="r" b="b"/>
+            <a:pathLst>
+              <a:path w="471487" h="400051">
+                <a:moveTo>
+                  <a:pt x="0" y="0"/>
+                </a:moveTo>
+                <a:lnTo>
+                  <a:pt x="185737" y="0"/>
+                </a:lnTo>
+                <a:lnTo>
+                  <a:pt x="471487" y="0"/>
+                </a:lnTo>
+                <a:lnTo>
+                  <a:pt x="471487" y="400051"/>
+                </a:lnTo>
+                <a:lnTo>
+                  <a:pt x="185737" y="400051"/>
+                </a:lnTo>
+                <a:lnTo>
+                  <a:pt x="185737" y="300039"/>
+                </a:lnTo>
+                <a:lnTo>
+                  <a:pt x="0" y="300039"/>
+                </a:lnTo>
+                <a:close/>
+              </a:path>
+            </a:pathLst>
+          </a:custGeom>
+          <a:ln>
+            <a:noFill/>
+          </a:ln>
+          <a:scene3d>
+            <a:camera prst="orthographicFront"/>
+            <a:lightRig rig="balanced" dir="t"/>
+          </a:scene3d>
+        </p:spPr>
+        <p:style>
+          <a:lnRef idx="2">
+            <a:schemeClr val="accent1">
+              <a:shade val="50000"/>
+            </a:schemeClr>
+          </a:lnRef>
+          <a:fillRef idx="1">
+            <a:schemeClr val="accent1"/>
+          </a:fillRef>
+          <a:effectRef idx="0">
+            <a:schemeClr val="accent1"/>
+          </a:effectRef>
+          <a:fontRef idx="minor">
+            <a:schemeClr val="lt1"/>
+          </a:fontRef>
+        </p:style>
+        <p:txBody>
+          <a:bodyPr rot="0" spcFirstLastPara="0" vertOverflow="overflow" horzOverflow="overflow" vert="horz" wrap="square" lIns="0" tIns="117400" rIns="0" bIns="117400" numCol="1" spcCol="0" rtlCol="0" fromWordArt="0" anchor="ctr" anchorCtr="0" forceAA="0" compatLnSpc="1">
+            <a:prstTxWarp prst="textNoShape">
+              <a:avLst/>
+            </a:prstTxWarp>
+            <a:noAutofit/>
+          </a:bodyPr>
+          <a:lstStyle/>
+          <a:p>
+            <a:pPr algn="ctr"/>
+            <a:r>
+              <a:rPr lang="zh-CN" altLang="en-US" sz="2311" dirty="0">
+                <a:ea typeface="苏新诗柳楷繁" panose="02010600000101010101" pitchFamily="2" charset="-122"/>
+              </a:rPr>
+              <a:t>女洗手间</a:t>
+            </a:r>
+          </a:p>
+        </p:txBody>
+      </p:sp>
+      <p:sp>
+        <p:nvSpPr>
+          <p:cNvPr id="7" name="矩形 6"/>
+          <p:cNvSpPr/>
+          <p:nvPr/>
+        </p:nvSpPr>
+        <p:spPr>
+          <a:xfrm>
+            <a:off x="8765253" y="6504020"/>
+            <a:ext cx="1210696" cy="745984"/>
+          </a:xfrm>
+          <a:prstGeom prst="rect">
+            <a:avLst/>
+          </a:prstGeom>
+          <a:ln>
+            <a:noFill/>
+          </a:ln>
+          <a:scene3d>
+            <a:camera prst="orthographicFront"/>
+            <a:lightRig rig="balanced" dir="t"/>
+          </a:scene3d>
+        </p:spPr>
+        <p:style>
+          <a:lnRef idx="2">
+            <a:schemeClr val="accent1">
+              <a:shade val="50000"/>
+            </a:schemeClr>
+          </a:lnRef>
+          <a:fillRef idx="1">
+            <a:schemeClr val="accent1"/>
+          </a:fillRef>
+          <a:effectRef idx="0">
+            <a:schemeClr val="accent1"/>
+          </a:effectRef>
+          <a:fontRef idx="minor">
+            <a:schemeClr val="lt1"/>
+          </a:fontRef>
+        </p:style>
+        <p:txBody>
+          <a:bodyPr rot="0" spcFirstLastPara="0" vertOverflow="overflow" horzOverflow="overflow" vert="horz" wrap="square" lIns="0" tIns="117400" rIns="0" bIns="117400" numCol="1" spcCol="0" rtlCol="0" fromWordArt="0" anchor="ctr" anchorCtr="0" forceAA="0" compatLnSpc="1">
+            <a:prstTxWarp prst="textNoShape">
+              <a:avLst/>
+            </a:prstTxWarp>
+            <a:noAutofit/>
+          </a:bodyPr>
+          <a:lstStyle/>
+          <a:p>
+            <a:pPr algn="ctr"/>
+            <a:r>
+              <a:rPr lang="zh-CN" altLang="en-US" sz="2311" dirty="0">
+                <a:ea typeface="苏新诗柳楷繁" panose="02010600000101010101" pitchFamily="2" charset="-122"/>
+              </a:rPr>
+              <a:t>男洗手间</a:t>
+            </a:r>
+          </a:p>
+        </p:txBody>
+      </p:sp>
+      <p:sp>
+        <p:nvSpPr>
+          <p:cNvPr id="8" name="任意多边形 7"/>
+          <p:cNvSpPr/>
+          <p:nvPr/>
+        </p:nvSpPr>
+        <p:spPr>
+          <a:xfrm>
+            <a:off x="10086008" y="5213825"/>
+            <a:ext cx="3526965" cy="2036176"/>
+          </a:xfrm>
+          <a:custGeom>
+            <a:avLst/>
+            <a:gdLst>
+              <a:gd name="connsiteX0" fmla="*/ 0 w 1454639"/>
+              <a:gd name="connsiteY0" fmla="*/ 217882 h 792958"/>
+              <a:gd name="connsiteX1" fmla="*/ 581023 w 1454639"/>
+              <a:gd name="connsiteY1" fmla="*/ 217882 h 792958"/>
+              <a:gd name="connsiteX2" fmla="*/ 581023 w 1454639"/>
+              <a:gd name="connsiteY2" fmla="*/ 792957 h 792958"/>
+              <a:gd name="connsiteX3" fmla="*/ 0 w 1454639"/>
+              <a:gd name="connsiteY3" fmla="*/ 792957 h 792958"/>
+              <a:gd name="connsiteX4" fmla="*/ 581024 w 1454639"/>
+              <a:gd name="connsiteY4" fmla="*/ 0 h 792958"/>
+              <a:gd name="connsiteX5" fmla="*/ 1454639 w 1454639"/>
+              <a:gd name="connsiteY5" fmla="*/ 0 h 792958"/>
+              <a:gd name="connsiteX6" fmla="*/ 1454639 w 1454639"/>
+              <a:gd name="connsiteY6" fmla="*/ 792958 h 792958"/>
+              <a:gd name="connsiteX7" fmla="*/ 581024 w 1454639"/>
+              <a:gd name="connsiteY7" fmla="*/ 792958 h 792958"/>
+            </a:gdLst>
+            <a:ahLst/>
+            <a:cxnLst>
+              <a:cxn ang="0">
+                <a:pos x="connsiteX0" y="connsiteY0"/>
+              </a:cxn>
+              <a:cxn ang="0">
+                <a:pos x="connsiteX1" y="connsiteY1"/>
+              </a:cxn>
+              <a:cxn ang="0">
+                <a:pos x="connsiteX2" y="connsiteY2"/>
+              </a:cxn>
+              <a:cxn ang="0">
+                <a:pos x="connsiteX3" y="connsiteY3"/>
+              </a:cxn>
+              <a:cxn ang="0">
+                <a:pos x="connsiteX4" y="connsiteY4"/>
+              </a:cxn>
+              <a:cxn ang="0">
+                <a:pos x="connsiteX5" y="connsiteY5"/>
+              </a:cxn>
+              <a:cxn ang="0">
+                <a:pos x="connsiteX6" y="connsiteY6"/>
+              </a:cxn>
+              <a:cxn ang="0">
+                <a:pos x="connsiteX7" y="connsiteY7"/>
+              </a:cxn>
+            </a:cxnLst>
+            <a:rect l="l" t="t" r="r" b="b"/>
+            <a:pathLst>
+              <a:path w="1454639" h="792958">
+                <a:moveTo>
+                  <a:pt x="0" y="217882"/>
+                </a:moveTo>
+                <a:lnTo>
+                  <a:pt x="581023" y="217882"/>
+                </a:lnTo>
+                <a:lnTo>
+                  <a:pt x="581023" y="792957"/>
+                </a:lnTo>
+                <a:lnTo>
+                  <a:pt x="0" y="792957"/>
+                </a:lnTo>
+                <a:close/>
+                <a:moveTo>
+                  <a:pt x="581024" y="0"/>
+                </a:moveTo>
+                <a:lnTo>
+                  <a:pt x="1454639" y="0"/>
+                </a:lnTo>
+                <a:lnTo>
+                  <a:pt x="1454639" y="792958"/>
+                </a:lnTo>
+                <a:lnTo>
+                  <a:pt x="581024" y="792958"/>
+                </a:lnTo>
+                <a:close/>
+              </a:path>
+            </a:pathLst>
+          </a:custGeom>
+          <a:solidFill>
+            <a:schemeClr val="accent2"/>
+          </a:solidFill>
+          <a:ln>
+            <a:noFill/>
+          </a:ln>
+          <a:scene3d>
+            <a:camera prst="orthographicFront"/>
+            <a:lightRig rig="balanced" dir="t"/>
+          </a:scene3d>
+        </p:spPr>
+        <p:style>
+          <a:lnRef idx="2">
+            <a:schemeClr val="accent1">
+              <a:shade val="50000"/>
+            </a:schemeClr>
+          </a:lnRef>
+          <a:fillRef idx="1">
+            <a:schemeClr val="accent1"/>
+          </a:fillRef>
+          <a:effectRef idx="0">
+            <a:schemeClr val="accent1"/>
+          </a:effectRef>
+          <a:fontRef idx="minor">
+            <a:schemeClr val="lt1"/>
+          </a:fontRef>
+        </p:style>
+        <p:txBody>
+          <a:bodyPr rot="0" spcFirstLastPara="0" vertOverflow="overflow" horzOverflow="overflow" vert="horz" wrap="square" lIns="234802" tIns="117400" rIns="234802" bIns="117400" numCol="1" spcCol="0" rtlCol="0" fromWordArt="0" anchor="ctr" anchorCtr="0" forceAA="0" compatLnSpc="1">
+            <a:prstTxWarp prst="textNoShape">
+              <a:avLst/>
+            </a:prstTxWarp>
+            <a:noAutofit/>
+          </a:bodyPr>
+          <a:lstStyle/>
+          <a:p>
+            <a:pPr algn="ctr"/>
+            <a:r>
+              <a:rPr lang="en-US" altLang="zh-CN" sz="3595" dirty="0" smtClean="0">
+                <a:ea typeface="苏新诗柳楷繁" panose="02010600000101010101" pitchFamily="2" charset="-122"/>
+              </a:rPr>
+              <a:t>      B438</a:t>
+            </a:r>
+          </a:p>
+          <a:p>
+            <a:pPr algn="ctr"/>
+            <a:r>
+              <a:rPr lang="zh-CN" altLang="en-US" sz="3595" dirty="0" smtClean="0">
+                <a:ea typeface="苏新诗柳楷繁" panose="02010600000101010101" pitchFamily="2" charset="-122"/>
+              </a:rPr>
+              <a:t>电子实习</a:t>
+            </a:r>
+            <a:endParaRPr lang="en-US" altLang="zh-CN" sz="3595" dirty="0" smtClean="0">
+              <a:ea typeface="苏新诗柳楷繁" panose="02010600000101010101" pitchFamily="2" charset="-122"/>
+            </a:endParaRPr>
+          </a:p>
+          <a:p>
+            <a:pPr algn="ctr"/>
+            <a:r>
+              <a:rPr lang="zh-CN" altLang="en-US" sz="3595" dirty="0" smtClean="0">
+                <a:ea typeface="苏新诗柳楷繁" panose="02010600000101010101" pitchFamily="2" charset="-122"/>
+              </a:rPr>
+              <a:t>第二教室</a:t>
+            </a:r>
+            <a:endParaRPr lang="zh-CN" altLang="en-US" sz="3595" dirty="0">
+              <a:ea typeface="苏新诗柳楷繁" panose="02010600000101010101" pitchFamily="2" charset="-122"/>
+            </a:endParaRPr>
+          </a:p>
+        </p:txBody>
+      </p:sp>
+      <p:sp>
+        <p:nvSpPr>
+          <p:cNvPr id="9" name="矩形 8"/>
+          <p:cNvSpPr/>
+          <p:nvPr/>
+        </p:nvSpPr>
+        <p:spPr>
+          <a:xfrm>
+            <a:off x="6215455" y="5611278"/>
+            <a:ext cx="666492" cy="1638721"/>
+          </a:xfrm>
+          <a:prstGeom prst="rect">
+            <a:avLst/>
+          </a:prstGeom>
+          <a:solidFill>
+            <a:schemeClr val="accent1"/>
+          </a:solidFill>
+          <a:ln>
+            <a:noFill/>
+          </a:ln>
+          <a:scene3d>
+            <a:camera prst="orthographicFront"/>
+            <a:lightRig rig="balanced" dir="t"/>
+          </a:scene3d>
+        </p:spPr>
+        <p:style>
+          <a:lnRef idx="2">
+            <a:schemeClr val="accent1">
+              <a:shade val="50000"/>
+            </a:schemeClr>
+          </a:lnRef>
+          <a:fillRef idx="1">
+            <a:schemeClr val="accent1"/>
+          </a:fillRef>
+          <a:effectRef idx="0">
+            <a:schemeClr val="accent1"/>
+          </a:effectRef>
+          <a:fontRef idx="minor">
+            <a:schemeClr val="lt1"/>
+          </a:fontRef>
+        </p:style>
+        <p:txBody>
+          <a:bodyPr rot="0" spcFirstLastPara="0" vertOverflow="overflow" horzOverflow="overflow" vert="horz" wrap="square" lIns="234802" tIns="117400" rIns="234802" bIns="117400" numCol="1" spcCol="0" rtlCol="0" fromWordArt="0" anchor="ctr" anchorCtr="0" forceAA="0" compatLnSpc="1">
+            <a:prstTxWarp prst="textNoShape">
+              <a:avLst/>
+            </a:prstTxWarp>
+            <a:noAutofit/>
+          </a:bodyPr>
+          <a:lstStyle/>
+          <a:p>
+            <a:pPr algn="ctr"/>
+            <a:r>
+              <a:rPr lang="zh-CN" altLang="en-US" sz="3595" dirty="0">
+                <a:ea typeface="苏新诗柳楷繁" panose="02010600000101010101" pitchFamily="2" charset="-122"/>
+              </a:rPr>
+              <a:t>楼梯</a:t>
+            </a:r>
+          </a:p>
+        </p:txBody>
+      </p:sp>
+      <p:sp>
+        <p:nvSpPr>
+          <p:cNvPr id="10" name="矩形 9"/>
+          <p:cNvSpPr/>
+          <p:nvPr/>
+        </p:nvSpPr>
+        <p:spPr>
+          <a:xfrm>
+            <a:off x="7572907" y="5513444"/>
+            <a:ext cx="568650" cy="599235"/>
+          </a:xfrm>
+          <a:prstGeom prst="rect">
+            <a:avLst/>
+          </a:prstGeom>
+          <a:ln>
+            <a:noFill/>
+          </a:ln>
+          <a:scene3d>
+            <a:camera prst="orthographicFront"/>
+            <a:lightRig rig="balanced" dir="t"/>
+          </a:scene3d>
+        </p:spPr>
+        <p:style>
+          <a:lnRef idx="2">
+            <a:schemeClr val="accent1">
+              <a:shade val="50000"/>
+            </a:schemeClr>
+          </a:lnRef>
+          <a:fillRef idx="1">
+            <a:schemeClr val="accent1"/>
+          </a:fillRef>
+          <a:effectRef idx="0">
+            <a:schemeClr val="accent1"/>
+          </a:effectRef>
+          <a:fontRef idx="minor">
+            <a:schemeClr val="lt1"/>
+          </a:fontRef>
+        </p:style>
+        <p:txBody>
+          <a:bodyPr rot="0" spcFirstLastPara="0" vertOverflow="overflow" horzOverflow="overflow" vert="horz" wrap="square" lIns="234802" tIns="117400" rIns="234802" bIns="117400" numCol="1" spcCol="0" rtlCol="0" fromWordArt="0" anchor="ctr" anchorCtr="0" forceAA="0" compatLnSpc="1">
+            <a:prstTxWarp prst="textNoShape">
+              <a:avLst/>
+            </a:prstTxWarp>
+            <a:noAutofit/>
+          </a:bodyPr>
+          <a:lstStyle/>
+          <a:p>
+            <a:pPr algn="ctr"/>
+            <a:r>
+              <a:rPr lang="zh-CN" altLang="en-US" sz="1797" dirty="0">
+                <a:ea typeface="苏新诗柳楷繁" panose="02010600000101010101" pitchFamily="2" charset="-122"/>
+              </a:rPr>
+              <a:t>电梯</a:t>
+            </a:r>
+          </a:p>
+        </p:txBody>
+      </p:sp>
+      <p:sp>
+        <p:nvSpPr>
+          <p:cNvPr id="11" name="矩形 10"/>
+          <p:cNvSpPr/>
+          <p:nvPr/>
+        </p:nvSpPr>
+        <p:spPr>
+          <a:xfrm>
+            <a:off x="7572907" y="6176875"/>
+            <a:ext cx="568650" cy="599235"/>
+          </a:xfrm>
+          <a:prstGeom prst="rect">
+            <a:avLst/>
+          </a:prstGeom>
+          <a:ln>
+            <a:noFill/>
+          </a:ln>
+          <a:scene3d>
+            <a:camera prst="orthographicFront"/>
+            <a:lightRig rig="balanced" dir="t"/>
+          </a:scene3d>
+        </p:spPr>
+        <p:style>
+          <a:lnRef idx="2">
+            <a:schemeClr val="accent1">
+              <a:shade val="50000"/>
+            </a:schemeClr>
+          </a:lnRef>
+          <a:fillRef idx="1">
+            <a:schemeClr val="accent1"/>
+          </a:fillRef>
+          <a:effectRef idx="0">
+            <a:schemeClr val="accent1"/>
+          </a:effectRef>
+          <a:fontRef idx="minor">
+            <a:schemeClr val="lt1"/>
+          </a:fontRef>
+        </p:style>
+        <p:txBody>
+          <a:bodyPr rot="0" spcFirstLastPara="0" vertOverflow="overflow" horzOverflow="overflow" vert="horz" wrap="square" lIns="234802" tIns="117400" rIns="234802" bIns="117400" numCol="1" spcCol="0" rtlCol="0" fromWordArt="0" anchor="ctr" anchorCtr="0" forceAA="0" compatLnSpc="1">
+            <a:prstTxWarp prst="textNoShape">
+              <a:avLst/>
+            </a:prstTxWarp>
+            <a:noAutofit/>
+          </a:bodyPr>
+          <a:lstStyle/>
+          <a:p>
+            <a:pPr algn="ctr"/>
+            <a:r>
+              <a:rPr lang="zh-CN" altLang="en-US" sz="1797" dirty="0">
+                <a:ea typeface="苏新诗柳楷繁" panose="02010600000101010101" pitchFamily="2" charset="-122"/>
+              </a:rPr>
+              <a:t>电梯</a:t>
+            </a:r>
+          </a:p>
+        </p:txBody>
+      </p:sp>
+      <p:sp>
+        <p:nvSpPr>
+          <p:cNvPr id="12" name="任意多边形 11"/>
+          <p:cNvSpPr/>
+          <p:nvPr/>
+        </p:nvSpPr>
+        <p:spPr>
+          <a:xfrm>
+            <a:off x="6967576" y="6873944"/>
+            <a:ext cx="1173981" cy="376058"/>
+          </a:xfrm>
+          <a:custGeom>
+            <a:avLst/>
+            <a:gdLst>
+              <a:gd name="connsiteX0" fmla="*/ 235737 w 457189"/>
+              <a:gd name="connsiteY0" fmla="*/ 0 h 146450"/>
+              <a:gd name="connsiteX1" fmla="*/ 457189 w 457189"/>
+              <a:gd name="connsiteY1" fmla="*/ 0 h 146450"/>
+              <a:gd name="connsiteX2" fmla="*/ 457189 w 457189"/>
+              <a:gd name="connsiteY2" fmla="*/ 146450 h 146450"/>
+              <a:gd name="connsiteX3" fmla="*/ 235737 w 457189"/>
+              <a:gd name="connsiteY3" fmla="*/ 146450 h 146450"/>
+              <a:gd name="connsiteX4" fmla="*/ 235737 w 457189"/>
+              <a:gd name="connsiteY4" fmla="*/ 146449 h 146450"/>
+              <a:gd name="connsiteX5" fmla="*/ 0 w 457189"/>
+              <a:gd name="connsiteY5" fmla="*/ 146449 h 146450"/>
+              <a:gd name="connsiteX6" fmla="*/ 0 w 457189"/>
+              <a:gd name="connsiteY6" fmla="*/ 100730 h 146450"/>
+              <a:gd name="connsiteX7" fmla="*/ 235737 w 457189"/>
+              <a:gd name="connsiteY7" fmla="*/ 100730 h 146450"/>
+            </a:gdLst>
+            <a:ahLst/>
+            <a:cxnLst>
+              <a:cxn ang="0">
+                <a:pos x="connsiteX0" y="connsiteY0"/>
+              </a:cxn>
+              <a:cxn ang="0">
+                <a:pos x="connsiteX1" y="connsiteY1"/>
+              </a:cxn>
+              <a:cxn ang="0">
+                <a:pos x="connsiteX2" y="connsiteY2"/>
+              </a:cxn>
+              <a:cxn ang="0">
+                <a:pos x="connsiteX3" y="connsiteY3"/>
+              </a:cxn>
+              <a:cxn ang="0">
+                <a:pos x="connsiteX4" y="connsiteY4"/>
+              </a:cxn>
+              <a:cxn ang="0">
+                <a:pos x="connsiteX5" y="connsiteY5"/>
+              </a:cxn>
+              <a:cxn ang="0">
+                <a:pos x="connsiteX6" y="connsiteY6"/>
+              </a:cxn>
+              <a:cxn ang="0">
+                <a:pos x="connsiteX7" y="connsiteY7"/>
+              </a:cxn>
+            </a:cxnLst>
+            <a:rect l="l" t="t" r="r" b="b"/>
+            <a:pathLst>
+              <a:path w="457189" h="146450">
+                <a:moveTo>
+                  <a:pt x="235737" y="0"/>
+                </a:moveTo>
+                <a:lnTo>
+                  <a:pt x="457189" y="0"/>
+                </a:lnTo>
+                <a:lnTo>
+                  <a:pt x="457189" y="146450"/>
+                </a:lnTo>
+                <a:lnTo>
+                  <a:pt x="235737" y="146450"/>
+                </a:lnTo>
+                <a:lnTo>
+                  <a:pt x="235737" y="146449"/>
+                </a:lnTo>
+                <a:lnTo>
+                  <a:pt x="0" y="146449"/>
+                </a:lnTo>
+                <a:lnTo>
+                  <a:pt x="0" y="100730"/>
+                </a:lnTo>
+                <a:lnTo>
+                  <a:pt x="235737" y="100730"/>
+                </a:lnTo>
+                <a:close/>
+              </a:path>
+            </a:pathLst>
+          </a:custGeom>
+          <a:solidFill>
+            <a:schemeClr val="accent3"/>
+          </a:solidFill>
+          <a:ln>
+            <a:noFill/>
+          </a:ln>
+          <a:scene3d>
+            <a:camera prst="orthographicFront"/>
+            <a:lightRig rig="balanced" dir="t"/>
+          </a:scene3d>
+        </p:spPr>
+        <p:style>
+          <a:lnRef idx="2">
+            <a:schemeClr val="accent1">
+              <a:shade val="50000"/>
+            </a:schemeClr>
+          </a:lnRef>
+          <a:fillRef idx="1">
+            <a:schemeClr val="accent1"/>
+          </a:fillRef>
+          <a:effectRef idx="0">
+            <a:schemeClr val="accent1"/>
+          </a:effectRef>
+          <a:fontRef idx="minor">
+            <a:schemeClr val="lt1"/>
+          </a:fontRef>
+        </p:style>
+        <p:txBody>
+          <a:bodyPr rot="0" spcFirstLastPara="0" vertOverflow="overflow" horzOverflow="overflow" vert="horz" wrap="square" lIns="234802" tIns="117400" rIns="234802" bIns="117400" numCol="1" spcCol="0" rtlCol="0" fromWordArt="0" anchor="ctr" anchorCtr="0" forceAA="0" compatLnSpc="1">
+            <a:prstTxWarp prst="textNoShape">
+              <a:avLst/>
+            </a:prstTxWarp>
+            <a:noAutofit/>
+          </a:bodyPr>
+          <a:lstStyle/>
+          <a:p>
+            <a:pPr algn="ctr"/>
+            <a:endParaRPr lang="zh-CN" altLang="en-US" sz="3595">
+              <a:ea typeface="苏新诗柳楷繁" panose="02010600000101010101" pitchFamily="2" charset="-122"/>
+            </a:endParaRPr>
+          </a:p>
+        </p:txBody>
+      </p:sp>
+      <p:sp>
+        <p:nvSpPr>
+          <p:cNvPr id="13" name="矩形 12"/>
+          <p:cNvSpPr/>
+          <p:nvPr/>
+        </p:nvSpPr>
+        <p:spPr>
+          <a:xfrm>
+            <a:off x="10086008" y="5219944"/>
+            <a:ext cx="1259608" cy="452486"/>
+          </a:xfrm>
+          <a:prstGeom prst="rect">
+            <a:avLst/>
+          </a:prstGeom>
+          <a:solidFill>
+            <a:schemeClr val="accent3"/>
+          </a:solidFill>
+          <a:ln>
+            <a:noFill/>
+          </a:ln>
+          <a:scene3d>
+            <a:camera prst="orthographicFront"/>
+            <a:lightRig rig="balanced" dir="t"/>
+          </a:scene3d>
+        </p:spPr>
+        <p:style>
+          <a:lnRef idx="2">
+            <a:schemeClr val="accent1">
+              <a:shade val="50000"/>
+            </a:schemeClr>
+          </a:lnRef>
+          <a:fillRef idx="1">
+            <a:schemeClr val="accent1"/>
+          </a:fillRef>
+          <a:effectRef idx="0">
+            <a:schemeClr val="accent1"/>
+          </a:effectRef>
+          <a:fontRef idx="minor">
+            <a:schemeClr val="lt1"/>
+          </a:fontRef>
+        </p:style>
+        <p:txBody>
+          <a:bodyPr rot="0" spcFirstLastPara="0" vertOverflow="overflow" horzOverflow="overflow" vert="horz" wrap="square" lIns="234802" tIns="117400" rIns="234802" bIns="117400" numCol="1" spcCol="0" rtlCol="0" fromWordArt="0" anchor="ctr" anchorCtr="0" forceAA="0" compatLnSpc="1">
+            <a:prstTxWarp prst="textNoShape">
+              <a:avLst/>
+            </a:prstTxWarp>
+            <a:noAutofit/>
+          </a:bodyPr>
+          <a:lstStyle/>
+          <a:p>
+            <a:pPr algn="ctr"/>
+            <a:endParaRPr lang="zh-CN" altLang="en-US" sz="3595">
+              <a:ea typeface="苏新诗柳楷繁" panose="02010600000101010101" pitchFamily="2" charset="-122"/>
+            </a:endParaRPr>
+          </a:p>
+        </p:txBody>
+      </p:sp>
+      <p:sp>
+        <p:nvSpPr>
+          <p:cNvPr id="14" name="矩形 13"/>
+          <p:cNvSpPr/>
+          <p:nvPr/>
+        </p:nvSpPr>
+        <p:spPr>
+          <a:xfrm>
+            <a:off x="6215455" y="5219944"/>
+            <a:ext cx="666492" cy="317961"/>
+          </a:xfrm>
+          <a:prstGeom prst="rect">
+            <a:avLst/>
+          </a:prstGeom>
+          <a:solidFill>
+            <a:schemeClr val="accent3"/>
+          </a:solidFill>
+          <a:ln>
+            <a:noFill/>
+          </a:ln>
+          <a:scene3d>
+            <a:camera prst="orthographicFront"/>
+            <a:lightRig rig="balanced" dir="t"/>
+          </a:scene3d>
+        </p:spPr>
+        <p:style>
+          <a:lnRef idx="2">
+            <a:schemeClr val="accent1">
+              <a:shade val="50000"/>
+            </a:schemeClr>
+          </a:lnRef>
+          <a:fillRef idx="1">
+            <a:schemeClr val="accent1"/>
+          </a:fillRef>
+          <a:effectRef idx="0">
+            <a:schemeClr val="accent1"/>
+          </a:effectRef>
+          <a:fontRef idx="minor">
+            <a:schemeClr val="lt1"/>
+          </a:fontRef>
+        </p:style>
+        <p:txBody>
+          <a:bodyPr rot="0" spcFirstLastPara="0" vertOverflow="overflow" horzOverflow="overflow" vert="horz" wrap="square" lIns="234802" tIns="117400" rIns="234802" bIns="117400" numCol="1" spcCol="0" rtlCol="0" fromWordArt="0" anchor="ctr" anchorCtr="0" forceAA="0" compatLnSpc="1">
+            <a:prstTxWarp prst="textNoShape">
+              <a:avLst/>
+            </a:prstTxWarp>
+            <a:noAutofit/>
+          </a:bodyPr>
+          <a:lstStyle/>
+          <a:p>
+            <a:pPr algn="ctr"/>
+            <a:endParaRPr lang="zh-CN" altLang="en-US" sz="3595">
+              <a:ea typeface="苏新诗柳楷繁" panose="02010600000101010101" pitchFamily="2" charset="-122"/>
+            </a:endParaRPr>
+          </a:p>
+        </p:txBody>
+      </p:sp>
+      <p:sp>
+        <p:nvSpPr>
+          <p:cNvPr id="15" name="矩形 14"/>
+          <p:cNvSpPr/>
+          <p:nvPr/>
+        </p:nvSpPr>
+        <p:spPr>
+          <a:xfrm>
+            <a:off x="7585124" y="5219947"/>
+            <a:ext cx="556429" cy="244585"/>
+          </a:xfrm>
+          <a:prstGeom prst="rect">
+            <a:avLst/>
+          </a:prstGeom>
+          <a:solidFill>
+            <a:schemeClr val="accent3"/>
+          </a:solidFill>
+          <a:ln>
+            <a:noFill/>
+          </a:ln>
+          <a:scene3d>
+            <a:camera prst="orthographicFront"/>
+            <a:lightRig rig="balanced" dir="t"/>
+          </a:scene3d>
+        </p:spPr>
+        <p:style>
+          <a:lnRef idx="2">
+            <a:schemeClr val="accent1">
+              <a:shade val="50000"/>
+            </a:schemeClr>
+          </a:lnRef>
+          <a:fillRef idx="1">
+            <a:schemeClr val="accent1"/>
+          </a:fillRef>
+          <a:effectRef idx="0">
+            <a:schemeClr val="accent1"/>
+          </a:effectRef>
+          <a:fontRef idx="minor">
+            <a:schemeClr val="lt1"/>
+          </a:fontRef>
+        </p:style>
+        <p:txBody>
+          <a:bodyPr rot="0" spcFirstLastPara="0" vertOverflow="overflow" horzOverflow="overflow" vert="horz" wrap="square" lIns="234802" tIns="117400" rIns="234802" bIns="117400" numCol="1" spcCol="0" rtlCol="0" fromWordArt="0" anchor="ctr" anchorCtr="0" forceAA="0" compatLnSpc="1">
+            <a:prstTxWarp prst="textNoShape">
+              <a:avLst/>
+            </a:prstTxWarp>
+            <a:noAutofit/>
+          </a:bodyPr>
+          <a:lstStyle/>
+          <a:p>
+            <a:pPr algn="ctr"/>
+            <a:endParaRPr lang="zh-CN" altLang="en-US" sz="3595">
+              <a:ea typeface="苏新诗柳楷繁" panose="02010600000101010101" pitchFamily="2" charset="-122"/>
+            </a:endParaRPr>
+          </a:p>
+        </p:txBody>
+      </p:sp>
+      <p:sp>
+        <p:nvSpPr>
+          <p:cNvPr id="17" name="矩形 16"/>
+          <p:cNvSpPr/>
+          <p:nvPr/>
+        </p:nvSpPr>
+        <p:spPr>
+          <a:xfrm>
+            <a:off x="8171736" y="3287721"/>
+            <a:ext cx="1756392" cy="1320760"/>
+          </a:xfrm>
+          <a:prstGeom prst="rect">
+            <a:avLst/>
+          </a:prstGeom>
+          <a:solidFill>
+            <a:schemeClr val="accent2"/>
+          </a:solidFill>
+          <a:ln>
+            <a:noFill/>
+          </a:ln>
+          <a:scene3d>
+            <a:camera prst="orthographicFront"/>
+            <a:lightRig rig="balanced" dir="t"/>
+          </a:scene3d>
+        </p:spPr>
+        <p:style>
+          <a:lnRef idx="2">
+            <a:schemeClr val="accent1">
+              <a:shade val="50000"/>
+            </a:schemeClr>
+          </a:lnRef>
+          <a:fillRef idx="1">
+            <a:schemeClr val="accent1"/>
+          </a:fillRef>
+          <a:effectRef idx="0">
+            <a:schemeClr val="accent1"/>
+          </a:effectRef>
+          <a:fontRef idx="minor">
+            <a:schemeClr val="lt1"/>
+          </a:fontRef>
+        </p:style>
+        <p:txBody>
+          <a:bodyPr rot="0" spcFirstLastPara="0" vertOverflow="overflow" horzOverflow="overflow" vert="horz" wrap="square" lIns="0" tIns="117400" rIns="0" bIns="117400" numCol="1" spcCol="0" rtlCol="0" fromWordArt="0" anchor="ctr" anchorCtr="0" forceAA="0" compatLnSpc="1">
+            <a:prstTxWarp prst="textNoShape">
+              <a:avLst/>
+            </a:prstTxWarp>
+            <a:noAutofit/>
+          </a:bodyPr>
+          <a:lstStyle/>
+          <a:p>
+            <a:pPr algn="ctr"/>
+            <a:r>
+              <a:rPr lang="en-US" altLang="zh-CN" sz="3081" dirty="0">
+                <a:ea typeface="苏新诗柳楷繁" panose="02010600000101010101" pitchFamily="2" charset="-122"/>
+              </a:rPr>
+              <a:t>B445</a:t>
+            </a:r>
+          </a:p>
+          <a:p>
+            <a:pPr algn="ctr"/>
+            <a:r>
+              <a:rPr lang="zh-CN" altLang="en-US" sz="3081" dirty="0">
+                <a:ea typeface="苏新诗柳楷繁" panose="02010600000101010101" pitchFamily="2" charset="-122"/>
+              </a:rPr>
+              <a:t>学生社团</a:t>
+            </a:r>
+          </a:p>
+        </p:txBody>
+      </p:sp>
+      <p:sp>
+        <p:nvSpPr>
+          <p:cNvPr id="18" name="矩形 17"/>
+          <p:cNvSpPr/>
+          <p:nvPr/>
+        </p:nvSpPr>
+        <p:spPr>
+          <a:xfrm>
+            <a:off x="2271513" y="5213825"/>
+            <a:ext cx="3791110" cy="2030060"/>
+          </a:xfrm>
+          <a:prstGeom prst="rect">
+            <a:avLst/>
+          </a:prstGeom>
+          <a:solidFill>
+            <a:schemeClr val="accent2"/>
+          </a:solidFill>
+          <a:ln>
+            <a:noFill/>
+          </a:ln>
+          <a:scene3d>
+            <a:camera prst="orthographicFront"/>
+            <a:lightRig rig="balanced" dir="t"/>
+          </a:scene3d>
+        </p:spPr>
+        <p:style>
+          <a:lnRef idx="2">
+            <a:schemeClr val="accent1">
+              <a:shade val="50000"/>
+            </a:schemeClr>
+          </a:lnRef>
+          <a:fillRef idx="1">
+            <a:schemeClr val="accent1"/>
+          </a:fillRef>
+          <a:effectRef idx="0">
+            <a:schemeClr val="accent1"/>
+          </a:effectRef>
+          <a:fontRef idx="minor">
+            <a:schemeClr val="lt1"/>
+          </a:fontRef>
+        </p:style>
+        <p:txBody>
+          <a:bodyPr rot="0" spcFirstLastPara="0" vertOverflow="overflow" horzOverflow="overflow" vert="horz" wrap="square" lIns="234802" tIns="117400" rIns="234802" bIns="117400" numCol="1" spcCol="0" rtlCol="0" fromWordArt="0" anchor="ctr" anchorCtr="0" forceAA="0" compatLnSpc="1">
+            <a:prstTxWarp prst="textNoShape">
+              <a:avLst/>
+            </a:prstTxWarp>
+            <a:noAutofit/>
+          </a:bodyPr>
+          <a:lstStyle/>
+          <a:p>
+            <a:pPr algn="ctr"/>
+            <a:r>
+              <a:rPr lang="en-US" altLang="zh-CN" sz="3595" dirty="0" smtClean="0">
+                <a:ea typeface="苏新诗柳楷繁" panose="02010600000101010101" pitchFamily="2" charset="-122"/>
+              </a:rPr>
+              <a:t>B450</a:t>
+            </a:r>
+            <a:endParaRPr lang="en-US" altLang="zh-CN" sz="3595" dirty="0">
+              <a:ea typeface="苏新诗柳楷繁" panose="02010600000101010101" pitchFamily="2" charset="-122"/>
+            </a:endParaRPr>
+          </a:p>
+          <a:p>
+            <a:pPr algn="ctr"/>
+            <a:r>
+              <a:rPr lang="zh-CN" altLang="en-US" sz="3595" dirty="0" smtClean="0">
+                <a:ea typeface="苏新诗柳楷繁" panose="02010600000101010101" pitchFamily="2" charset="-122"/>
+              </a:rPr>
+              <a:t>电子实习</a:t>
+            </a:r>
+            <a:endParaRPr lang="en-US" altLang="zh-CN" sz="3595" dirty="0" smtClean="0">
+              <a:ea typeface="苏新诗柳楷繁" panose="02010600000101010101" pitchFamily="2" charset="-122"/>
+            </a:endParaRPr>
+          </a:p>
+          <a:p>
+            <a:pPr algn="ctr"/>
+            <a:r>
+              <a:rPr lang="zh-CN" altLang="en-US" sz="3595" dirty="0" smtClean="0">
+                <a:ea typeface="苏新诗柳楷繁" panose="02010600000101010101" pitchFamily="2" charset="-122"/>
+              </a:rPr>
+              <a:t>第</a:t>
+            </a:r>
+            <a:r>
+              <a:rPr lang="zh-CN" altLang="en-US" sz="3595" dirty="0">
+                <a:ea typeface="苏新诗柳楷繁" panose="02010600000101010101" pitchFamily="2" charset="-122"/>
+              </a:rPr>
+              <a:t>一</a:t>
+            </a:r>
+            <a:r>
+              <a:rPr lang="zh-CN" altLang="en-US" sz="3595" dirty="0" smtClean="0">
+                <a:ea typeface="苏新诗柳楷繁" panose="02010600000101010101" pitchFamily="2" charset="-122"/>
+              </a:rPr>
+              <a:t>教室</a:t>
+            </a:r>
+            <a:endParaRPr lang="zh-CN" altLang="en-US" sz="3595" dirty="0">
+              <a:ea typeface="苏新诗柳楷繁" panose="02010600000101010101" pitchFamily="2" charset="-122"/>
+            </a:endParaRPr>
+          </a:p>
+        </p:txBody>
+      </p:sp>
+      <p:sp>
+        <p:nvSpPr>
+          <p:cNvPr id="19" name="矩形 18"/>
+          <p:cNvSpPr/>
+          <p:nvPr/>
+        </p:nvSpPr>
+        <p:spPr>
+          <a:xfrm>
+            <a:off x="2265818" y="3287721"/>
+            <a:ext cx="1552696" cy="1320760"/>
+          </a:xfrm>
+          <a:prstGeom prst="rect">
+            <a:avLst/>
+          </a:prstGeom>
+          <a:solidFill>
+            <a:schemeClr val="accent2"/>
+          </a:solidFill>
+          <a:ln>
+            <a:noFill/>
+          </a:ln>
+          <a:scene3d>
+            <a:camera prst="orthographicFront"/>
+            <a:lightRig rig="balanced" dir="t"/>
+          </a:scene3d>
+        </p:spPr>
+        <p:style>
+          <a:lnRef idx="2">
+            <a:schemeClr val="accent1">
+              <a:shade val="50000"/>
+            </a:schemeClr>
+          </a:lnRef>
+          <a:fillRef idx="1">
+            <a:schemeClr val="accent1"/>
+          </a:fillRef>
+          <a:effectRef idx="0">
+            <a:schemeClr val="accent1"/>
+          </a:effectRef>
+          <a:fontRef idx="minor">
+            <a:schemeClr val="lt1"/>
+          </a:fontRef>
+        </p:style>
+        <p:txBody>
+          <a:bodyPr rot="0" spcFirstLastPara="0" vertOverflow="overflow" horzOverflow="overflow" vert="horz" wrap="square" lIns="0" tIns="117400" rIns="0" bIns="117400" numCol="1" spcCol="0" rtlCol="0" fromWordArt="0" anchor="ctr" anchorCtr="0" forceAA="0" compatLnSpc="1">
+            <a:prstTxWarp prst="textNoShape">
+              <a:avLst/>
+            </a:prstTxWarp>
+            <a:noAutofit/>
+          </a:bodyPr>
+          <a:lstStyle/>
+          <a:p>
+            <a:pPr algn="ctr"/>
+            <a:r>
+              <a:rPr lang="en-US" altLang="zh-CN" sz="2800" dirty="0" smtClean="0">
+                <a:ea typeface="苏新诗柳楷繁" panose="02010600000101010101" pitchFamily="2" charset="-122"/>
+              </a:rPr>
+              <a:t>B453</a:t>
+            </a:r>
+          </a:p>
+          <a:p>
+            <a:pPr algn="ctr"/>
+            <a:r>
+              <a:rPr lang="zh-CN" altLang="en-US" sz="2800" dirty="0" smtClean="0">
+                <a:ea typeface="苏新诗柳楷繁" panose="02010600000101010101" pitchFamily="2" charset="-122"/>
+              </a:rPr>
+              <a:t>电子工艺</a:t>
+            </a:r>
+            <a:endParaRPr lang="en-US" altLang="zh-CN" sz="2800" dirty="0" smtClean="0">
+              <a:ea typeface="苏新诗柳楷繁" panose="02010600000101010101" pitchFamily="2" charset="-122"/>
+            </a:endParaRPr>
+          </a:p>
+          <a:p>
+            <a:pPr algn="ctr"/>
+            <a:r>
+              <a:rPr lang="zh-CN" altLang="en-US" sz="2800" dirty="0">
+                <a:ea typeface="苏新诗柳楷繁" panose="02010600000101010101" pitchFamily="2" charset="-122"/>
+              </a:rPr>
+              <a:t>实验室</a:t>
+            </a:r>
+            <a:endParaRPr lang="zh-CN" altLang="en-US" sz="2800" dirty="0">
+              <a:ea typeface="苏新诗柳楷繁" panose="02010600000101010101" pitchFamily="2" charset="-122"/>
+            </a:endParaRPr>
+          </a:p>
+        </p:txBody>
+      </p:sp>
+      <p:sp>
+        <p:nvSpPr>
+          <p:cNvPr id="20" name="矩形 19"/>
+          <p:cNvSpPr/>
+          <p:nvPr/>
+        </p:nvSpPr>
+        <p:spPr>
+          <a:xfrm>
+            <a:off x="10014160" y="3287721"/>
+            <a:ext cx="1756392" cy="1320760"/>
+          </a:xfrm>
+          <a:prstGeom prst="rect">
+            <a:avLst/>
+          </a:prstGeom>
+          <a:solidFill>
+            <a:schemeClr val="accent2"/>
+          </a:solidFill>
+          <a:ln>
+            <a:noFill/>
+          </a:ln>
+          <a:scene3d>
+            <a:camera prst="orthographicFront"/>
+            <a:lightRig rig="balanced" dir="t"/>
+          </a:scene3d>
+        </p:spPr>
+        <p:style>
+          <a:lnRef idx="2">
+            <a:schemeClr val="accent1">
+              <a:shade val="50000"/>
+            </a:schemeClr>
+          </a:lnRef>
+          <a:fillRef idx="1">
+            <a:schemeClr val="accent1"/>
+          </a:fillRef>
+          <a:effectRef idx="0">
+            <a:schemeClr val="accent1"/>
+          </a:effectRef>
+          <a:fontRef idx="minor">
+            <a:schemeClr val="lt1"/>
+          </a:fontRef>
+        </p:style>
+        <p:txBody>
+          <a:bodyPr rot="0" spcFirstLastPara="0" vertOverflow="overflow" horzOverflow="overflow" vert="horz" wrap="square" lIns="0" tIns="117400" rIns="0" bIns="117400" numCol="1" spcCol="0" rtlCol="0" fromWordArt="0" anchor="ctr" anchorCtr="0" forceAA="0" compatLnSpc="1">
+            <a:prstTxWarp prst="textNoShape">
+              <a:avLst/>
+            </a:prstTxWarp>
+            <a:noAutofit/>
+          </a:bodyPr>
+          <a:lstStyle/>
+          <a:p>
+            <a:pPr algn="ctr"/>
+            <a:r>
+              <a:rPr lang="en-US" altLang="zh-CN" sz="3081" dirty="0">
+                <a:ea typeface="苏新诗柳楷繁" panose="02010600000101010101" pitchFamily="2" charset="-122"/>
+              </a:rPr>
+              <a:t>B439</a:t>
+            </a:r>
+          </a:p>
+          <a:p>
+            <a:pPr algn="ctr"/>
+            <a:r>
+              <a:rPr lang="zh-CN" altLang="en-US" sz="3081" dirty="0">
+                <a:ea typeface="苏新诗柳楷繁" panose="02010600000101010101" pitchFamily="2" charset="-122"/>
+              </a:rPr>
+              <a:t>学生社团</a:t>
+            </a:r>
+          </a:p>
+        </p:txBody>
+      </p:sp>
+      <p:sp>
+        <p:nvSpPr>
+          <p:cNvPr id="21" name="矩形 20"/>
+          <p:cNvSpPr/>
+          <p:nvPr/>
+        </p:nvSpPr>
+        <p:spPr>
+          <a:xfrm>
+            <a:off x="11856581" y="3287721"/>
+            <a:ext cx="1756392" cy="1320760"/>
+          </a:xfrm>
+          <a:prstGeom prst="rect">
+            <a:avLst/>
+          </a:prstGeom>
+          <a:solidFill>
+            <a:schemeClr val="accent2"/>
+          </a:solidFill>
+          <a:ln>
+            <a:noFill/>
+          </a:ln>
+          <a:scene3d>
+            <a:camera prst="orthographicFront"/>
+            <a:lightRig rig="balanced" dir="t"/>
+          </a:scene3d>
+        </p:spPr>
+        <p:style>
+          <a:lnRef idx="2">
+            <a:schemeClr val="accent1">
+              <a:shade val="50000"/>
+            </a:schemeClr>
+          </a:lnRef>
+          <a:fillRef idx="1">
+            <a:schemeClr val="accent1"/>
+          </a:fillRef>
+          <a:effectRef idx="0">
+            <a:schemeClr val="accent1"/>
+          </a:effectRef>
+          <a:fontRef idx="minor">
+            <a:schemeClr val="lt1"/>
+          </a:fontRef>
+        </p:style>
+        <p:txBody>
+          <a:bodyPr rot="0" spcFirstLastPara="0" vertOverflow="overflow" horzOverflow="overflow" vert="horz" wrap="square" lIns="0" tIns="117400" rIns="0" bIns="117400" numCol="1" spcCol="0" rtlCol="0" fromWordArt="0" anchor="ctr" anchorCtr="0" forceAA="0" compatLnSpc="1">
+            <a:prstTxWarp prst="textNoShape">
+              <a:avLst/>
+            </a:prstTxWarp>
+            <a:noAutofit/>
+          </a:bodyPr>
+          <a:lstStyle/>
+          <a:p>
+            <a:pPr algn="ctr"/>
+            <a:r>
+              <a:rPr lang="en-US" altLang="zh-CN" sz="3081" dirty="0">
+                <a:ea typeface="苏新诗柳楷繁" panose="02010600000101010101" pitchFamily="2" charset="-122"/>
+              </a:rPr>
+              <a:t>B436</a:t>
+            </a:r>
+          </a:p>
+          <a:p>
+            <a:pPr algn="ctr"/>
+            <a:r>
+              <a:rPr lang="zh-CN" altLang="en-US" sz="3081" dirty="0">
+                <a:ea typeface="苏新诗柳楷繁" panose="02010600000101010101" pitchFamily="2" charset="-122"/>
+              </a:rPr>
+              <a:t>学生社团</a:t>
+            </a:r>
+          </a:p>
+        </p:txBody>
+      </p:sp>
+      <p:sp>
+        <p:nvSpPr>
+          <p:cNvPr id="22" name="矩形 21"/>
+          <p:cNvSpPr/>
+          <p:nvPr/>
+        </p:nvSpPr>
+        <p:spPr>
+          <a:xfrm>
+            <a:off x="13816260" y="3285002"/>
+            <a:ext cx="1914649" cy="1320760"/>
+          </a:xfrm>
+          <a:prstGeom prst="rect">
+            <a:avLst/>
+          </a:prstGeom>
+          <a:noFill/>
+          <a:ln>
+            <a:noFill/>
+          </a:ln>
+        </p:spPr>
+        <p:style>
+          <a:lnRef idx="2">
+            <a:schemeClr val="accent1">
+              <a:shade val="50000"/>
+            </a:schemeClr>
+          </a:lnRef>
+          <a:fillRef idx="1">
+            <a:schemeClr val="accent1"/>
+          </a:fillRef>
+          <a:effectRef idx="0">
+            <a:schemeClr val="accent1"/>
+          </a:effectRef>
+          <a:fontRef idx="minor">
+            <a:schemeClr val="lt1"/>
+          </a:fontRef>
+        </p:style>
+        <p:txBody>
+          <a:bodyPr rot="0" spcFirstLastPara="0" vertOverflow="overflow" horzOverflow="overflow" vert="horz" wrap="square" lIns="234802" tIns="117400" rIns="234802" bIns="117400" numCol="1" spcCol="0" rtlCol="0" fromWordArt="0" anchor="ctr" anchorCtr="0" forceAA="0" compatLnSpc="1">
+            <a:prstTxWarp prst="textNoShape">
+              <a:avLst/>
+            </a:prstTxWarp>
+            <a:noAutofit/>
+          </a:bodyPr>
+          <a:lstStyle/>
+          <a:p>
+            <a:pPr algn="ctr"/>
+            <a:endParaRPr lang="zh-CN" altLang="en-US" sz="4623"/>
+          </a:p>
+        </p:txBody>
+      </p:sp>
+      <p:sp>
+        <p:nvSpPr>
+          <p:cNvPr id="25" name="矩形 24"/>
+          <p:cNvSpPr/>
+          <p:nvPr/>
+        </p:nvSpPr>
+        <p:spPr>
+          <a:xfrm>
+            <a:off x="2265816" y="3287720"/>
+            <a:ext cx="11347158" cy="3956165"/>
+          </a:xfrm>
+          <a:prstGeom prst="rect">
+            <a:avLst/>
+          </a:prstGeom>
+          <a:noFill/>
+          <a:ln>
             <a:solidFill>
-              <a:schemeClr val="accent2"/>
+              <a:schemeClr val="bg2">
+                <a:lumMod val="90000"/>
+              </a:schemeClr>
             </a:solidFill>
-            <a:ln>
-              <a:noFill/>
-            </a:ln>
-            <a:scene3d>
-              <a:camera prst="orthographicFront"/>
-              <a:lightRig rig="balanced" dir="t"/>
-            </a:scene3d>
-          </p:spPr>
-          <p:style>
-            <a:lnRef idx="2">
-              <a:schemeClr val="accent1">
-                <a:shade val="50000"/>
-              </a:schemeClr>
-            </a:lnRef>
-            <a:fillRef idx="1">
-              <a:schemeClr val="accent1"/>
-            </a:fillRef>
-            <a:effectRef idx="0">
-              <a:schemeClr val="accent1"/>
-            </a:effectRef>
-            <a:fontRef idx="minor">
-              <a:schemeClr val="lt1"/>
-            </a:fontRef>
-          </p:style>
-          <p:txBody>
-            <a:bodyPr rot="0" spcFirstLastPara="0" vertOverflow="overflow" horzOverflow="overflow" vert="horz" wrap="square" lIns="0" tIns="117400" rIns="0" bIns="117400" numCol="1" spcCol="0" rtlCol="0" fromWordArt="0" anchor="ctr" anchorCtr="0" forceAA="0" compatLnSpc="1">
-              <a:prstTxWarp prst="textNoShape">
-                <a:avLst/>
-              </a:prstTxWarp>
-              <a:noAutofit/>
-            </a:bodyPr>
-            <a:lstStyle/>
-            <a:p>
-              <a:pPr algn="ctr"/>
-              <a:endParaRPr lang="zh-CN" altLang="en-US" sz="3595" dirty="0">
+          </a:ln>
+        </p:spPr>
+        <p:style>
+          <a:lnRef idx="2">
+            <a:schemeClr val="accent1">
+              <a:shade val="50000"/>
+            </a:schemeClr>
+          </a:lnRef>
+          <a:fillRef idx="1">
+            <a:schemeClr val="accent1"/>
+          </a:fillRef>
+          <a:effectRef idx="0">
+            <a:schemeClr val="accent1"/>
+          </a:effectRef>
+          <a:fontRef idx="minor">
+            <a:schemeClr val="lt1"/>
+          </a:fontRef>
+        </p:style>
+        <p:txBody>
+          <a:bodyPr rot="0" spcFirstLastPara="0" vertOverflow="overflow" horzOverflow="overflow" vert="horz" wrap="square" lIns="234802" tIns="117400" rIns="234802" bIns="117400" numCol="1" spcCol="0" rtlCol="0" fromWordArt="0" anchor="ctr" anchorCtr="0" forceAA="0" compatLnSpc="1">
+            <a:prstTxWarp prst="textNoShape">
+              <a:avLst/>
+            </a:prstTxWarp>
+            <a:noAutofit/>
+          </a:bodyPr>
+          <a:lstStyle/>
+          <a:p>
+            <a:pPr algn="ctr"/>
+            <a:endParaRPr lang="zh-CN" altLang="en-US" sz="4623"/>
+          </a:p>
+        </p:txBody>
+      </p:sp>
+      <p:sp>
+        <p:nvSpPr>
+          <p:cNvPr id="27" name="矩形 26"/>
+          <p:cNvSpPr/>
+          <p:nvPr/>
+        </p:nvSpPr>
+        <p:spPr>
+          <a:xfrm>
+            <a:off x="3893218" y="3287721"/>
+            <a:ext cx="486509" cy="1320760"/>
+          </a:xfrm>
+          <a:prstGeom prst="rect">
+            <a:avLst/>
+          </a:prstGeom>
+          <a:solidFill>
+            <a:schemeClr val="accent2"/>
+          </a:solidFill>
+          <a:ln>
+            <a:noFill/>
+          </a:ln>
+          <a:scene3d>
+            <a:camera prst="orthographicFront"/>
+            <a:lightRig rig="balanced" dir="t"/>
+          </a:scene3d>
+        </p:spPr>
+        <p:style>
+          <a:lnRef idx="2">
+            <a:schemeClr val="accent1">
+              <a:shade val="50000"/>
+            </a:schemeClr>
+          </a:lnRef>
+          <a:fillRef idx="1">
+            <a:schemeClr val="accent1"/>
+          </a:fillRef>
+          <a:effectRef idx="0">
+            <a:schemeClr val="accent1"/>
+          </a:effectRef>
+          <a:fontRef idx="minor">
+            <a:schemeClr val="lt1"/>
+          </a:fontRef>
+        </p:style>
+        <p:txBody>
+          <a:bodyPr rot="0" spcFirstLastPara="0" vertOverflow="overflow" horzOverflow="overflow" vert="vert" wrap="square" lIns="0" tIns="0" rIns="0" bIns="0" numCol="1" spcCol="0" rtlCol="0" fromWordArt="0" anchor="ctr" anchorCtr="0" forceAA="0" compatLnSpc="1">
+            <a:prstTxWarp prst="textNoShape">
+              <a:avLst/>
+            </a:prstTxWarp>
+            <a:noAutofit/>
+          </a:bodyPr>
+          <a:lstStyle/>
+          <a:p>
+            <a:pPr algn="ctr"/>
+            <a:r>
+              <a:rPr lang="en-US" altLang="zh-CN" sz="2800" dirty="0" smtClean="0">
                 <a:ea typeface="苏新诗柳楷繁" panose="02010600000101010101" pitchFamily="2" charset="-122"/>
-              </a:endParaRPr>
-            </a:p>
-          </p:txBody>
-        </p:sp>
-        <p:sp>
-          <p:nvSpPr>
-            <p:cNvPr id="6" name="任意多边形 5"/>
-            <p:cNvSpPr/>
-            <p:nvPr/>
-          </p:nvSpPr>
-          <p:spPr>
-            <a:xfrm>
-              <a:off x="8765253" y="5219942"/>
-              <a:ext cx="1210696" cy="1027260"/>
-            </a:xfrm>
-            <a:custGeom>
+              </a:rPr>
+              <a:t>PCB</a:t>
+            </a:r>
+            <a:r>
+              <a:rPr lang="zh-CN" altLang="en-US" sz="2800" dirty="0" smtClean="0">
+                <a:ea typeface="苏新诗柳楷繁" panose="02010600000101010101" pitchFamily="2" charset="-122"/>
+              </a:rPr>
+              <a:t>制作</a:t>
+            </a:r>
+            <a:endParaRPr lang="zh-CN" altLang="en-US" sz="2800" dirty="0">
+              <a:ea typeface="苏新诗柳楷繁" panose="02010600000101010101" pitchFamily="2" charset="-122"/>
+            </a:endParaRPr>
+          </a:p>
+        </p:txBody>
+      </p:sp>
+      <p:sp>
+        <p:nvSpPr>
+          <p:cNvPr id="32" name="任意多边形 31"/>
+          <p:cNvSpPr/>
+          <p:nvPr/>
+        </p:nvSpPr>
+        <p:spPr>
+          <a:xfrm>
+            <a:off x="5742989" y="3287721"/>
+            <a:ext cx="1017059" cy="1320760"/>
+          </a:xfrm>
+          <a:custGeom>
+            <a:avLst/>
+            <a:gdLst>
+              <a:gd name="connsiteX0" fmla="*/ 577745 w 1017059"/>
+              <a:gd name="connsiteY0" fmla="*/ 0 h 1320760"/>
+              <a:gd name="connsiteX1" fmla="*/ 1017059 w 1017059"/>
+              <a:gd name="connsiteY1" fmla="*/ 0 h 1320760"/>
+              <a:gd name="connsiteX2" fmla="*/ 1017059 w 1017059"/>
+              <a:gd name="connsiteY2" fmla="*/ 1320760 h 1320760"/>
+              <a:gd name="connsiteX3" fmla="*/ 682446 w 1017059"/>
+              <a:gd name="connsiteY3" fmla="*/ 1320760 h 1320760"/>
+              <a:gd name="connsiteX4" fmla="*/ 577745 w 1017059"/>
+              <a:gd name="connsiteY4" fmla="*/ 1320760 h 1320760"/>
+              <a:gd name="connsiteX5" fmla="*/ 0 w 1017059"/>
+              <a:gd name="connsiteY5" fmla="*/ 1320760 h 1320760"/>
+              <a:gd name="connsiteX6" fmla="*/ 0 w 1017059"/>
+              <a:gd name="connsiteY6" fmla="*/ 237356 h 1320760"/>
+              <a:gd name="connsiteX7" fmla="*/ 577745 w 1017059"/>
+              <a:gd name="connsiteY7" fmla="*/ 237356 h 1320760"/>
+            </a:gdLst>
+            <a:ahLst/>
+            <a:cxnLst>
+              <a:cxn ang="0">
+                <a:pos x="connsiteX0" y="connsiteY0"/>
+              </a:cxn>
+              <a:cxn ang="0">
+                <a:pos x="connsiteX1" y="connsiteY1"/>
+              </a:cxn>
+              <a:cxn ang="0">
+                <a:pos x="connsiteX2" y="connsiteY2"/>
+              </a:cxn>
+              <a:cxn ang="0">
+                <a:pos x="connsiteX3" y="connsiteY3"/>
+              </a:cxn>
+              <a:cxn ang="0">
+                <a:pos x="connsiteX4" y="connsiteY4"/>
+              </a:cxn>
+              <a:cxn ang="0">
+                <a:pos x="connsiteX5" y="connsiteY5"/>
+              </a:cxn>
+              <a:cxn ang="0">
+                <a:pos x="connsiteX6" y="connsiteY6"/>
+              </a:cxn>
+              <a:cxn ang="0">
+                <a:pos x="connsiteX7" y="connsiteY7"/>
+              </a:cxn>
+            </a:cxnLst>
+            <a:rect l="l" t="t" r="r" b="b"/>
+            <a:pathLst>
+              <a:path w="1017059" h="1320760">
+                <a:moveTo>
+                  <a:pt x="577745" y="0"/>
+                </a:moveTo>
+                <a:lnTo>
+                  <a:pt x="1017059" y="0"/>
+                </a:lnTo>
+                <a:lnTo>
+                  <a:pt x="1017059" y="1320760"/>
+                </a:lnTo>
+                <a:lnTo>
+                  <a:pt x="682446" y="1320760"/>
+                </a:lnTo>
+                <a:lnTo>
+                  <a:pt x="577745" y="1320760"/>
+                </a:lnTo>
+                <a:lnTo>
+                  <a:pt x="0" y="1320760"/>
+                </a:lnTo>
+                <a:lnTo>
+                  <a:pt x="0" y="237356"/>
+                </a:lnTo>
+                <a:lnTo>
+                  <a:pt x="577745" y="237356"/>
+                </a:lnTo>
+                <a:close/>
+              </a:path>
+            </a:pathLst>
+          </a:custGeom>
+          <a:solidFill>
+            <a:schemeClr val="accent2"/>
+          </a:solidFill>
+          <a:ln>
+            <a:noFill/>
+          </a:ln>
+          <a:scene3d>
+            <a:camera prst="orthographicFront"/>
+            <a:lightRig rig="balanced" dir="t"/>
+          </a:scene3d>
+        </p:spPr>
+        <p:style>
+          <a:lnRef idx="2">
+            <a:schemeClr val="accent1">
+              <a:shade val="50000"/>
+            </a:schemeClr>
+          </a:lnRef>
+          <a:fillRef idx="1">
+            <a:schemeClr val="accent1"/>
+          </a:fillRef>
+          <a:effectRef idx="0">
+            <a:schemeClr val="accent1"/>
+          </a:effectRef>
+          <a:fontRef idx="minor">
+            <a:schemeClr val="lt1"/>
+          </a:fontRef>
+        </p:style>
+        <p:txBody>
+          <a:bodyPr rot="0" spcFirstLastPara="0" vertOverflow="overflow" horzOverflow="overflow" vert="horz" wrap="square" lIns="0" tIns="117400" rIns="0" bIns="117400" numCol="1" spcCol="0" rtlCol="0" fromWordArt="0" anchor="ctr" anchorCtr="0" forceAA="0" compatLnSpc="1">
+            <a:prstTxWarp prst="textNoShape">
               <a:avLst/>
-              <a:gdLst>
-                <a:gd name="connsiteX0" fmla="*/ 0 w 471487"/>
-                <a:gd name="connsiteY0" fmla="*/ 0 h 400051"/>
-                <a:gd name="connsiteX1" fmla="*/ 185737 w 471487"/>
-                <a:gd name="connsiteY1" fmla="*/ 0 h 400051"/>
-                <a:gd name="connsiteX2" fmla="*/ 471487 w 471487"/>
-                <a:gd name="connsiteY2" fmla="*/ 0 h 400051"/>
-                <a:gd name="connsiteX3" fmla="*/ 471487 w 471487"/>
-                <a:gd name="connsiteY3" fmla="*/ 400051 h 400051"/>
-                <a:gd name="connsiteX4" fmla="*/ 185737 w 471487"/>
-                <a:gd name="connsiteY4" fmla="*/ 400051 h 400051"/>
-                <a:gd name="connsiteX5" fmla="*/ 185737 w 471487"/>
-                <a:gd name="connsiteY5" fmla="*/ 300039 h 400051"/>
-                <a:gd name="connsiteX6" fmla="*/ 0 w 471487"/>
-                <a:gd name="connsiteY6" fmla="*/ 300039 h 400051"/>
-              </a:gdLst>
-              <a:ahLst/>
-              <a:cxnLst>
-                <a:cxn ang="0">
-                  <a:pos x="connsiteX0" y="connsiteY0"/>
-                </a:cxn>
-                <a:cxn ang="0">
-                  <a:pos x="connsiteX1" y="connsiteY1"/>
-                </a:cxn>
-                <a:cxn ang="0">
-                  <a:pos x="connsiteX2" y="connsiteY2"/>
-                </a:cxn>
-                <a:cxn ang="0">
-                  <a:pos x="connsiteX3" y="connsiteY3"/>
-                </a:cxn>
-                <a:cxn ang="0">
-                  <a:pos x="connsiteX4" y="connsiteY4"/>
-                </a:cxn>
-                <a:cxn ang="0">
-                  <a:pos x="connsiteX5" y="connsiteY5"/>
-                </a:cxn>
-                <a:cxn ang="0">
-                  <a:pos x="connsiteX6" y="connsiteY6"/>
-                </a:cxn>
-              </a:cxnLst>
-              <a:rect l="l" t="t" r="r" b="b"/>
-              <a:pathLst>
-                <a:path w="471487" h="400051">
-                  <a:moveTo>
-                    <a:pt x="0" y="0"/>
-                  </a:moveTo>
-                  <a:lnTo>
-                    <a:pt x="185737" y="0"/>
-                  </a:lnTo>
-                  <a:lnTo>
-                    <a:pt x="471487" y="0"/>
-                  </a:lnTo>
-                  <a:lnTo>
-                    <a:pt x="471487" y="400051"/>
-                  </a:lnTo>
-                  <a:lnTo>
-                    <a:pt x="185737" y="400051"/>
-                  </a:lnTo>
-                  <a:lnTo>
-                    <a:pt x="185737" y="300039"/>
-                  </a:lnTo>
-                  <a:lnTo>
-                    <a:pt x="0" y="300039"/>
-                  </a:lnTo>
-                  <a:close/>
-                </a:path>
-              </a:pathLst>
-            </a:custGeom>
-            <a:ln>
-              <a:noFill/>
-            </a:ln>
-            <a:scene3d>
-              <a:camera prst="orthographicFront"/>
-              <a:lightRig rig="balanced" dir="t"/>
-            </a:scene3d>
-          </p:spPr>
-          <p:style>
-            <a:lnRef idx="2">
-              <a:schemeClr val="accent1">
-                <a:shade val="50000"/>
-              </a:schemeClr>
-            </a:lnRef>
-            <a:fillRef idx="1">
-              <a:schemeClr val="accent1"/>
-            </a:fillRef>
-            <a:effectRef idx="0">
-              <a:schemeClr val="accent1"/>
-            </a:effectRef>
-            <a:fontRef idx="minor">
-              <a:schemeClr val="lt1"/>
-            </a:fontRef>
-          </p:style>
-          <p:txBody>
-            <a:bodyPr rot="0" spcFirstLastPara="0" vertOverflow="overflow" horzOverflow="overflow" vert="horz" wrap="square" lIns="0" tIns="117400" rIns="0" bIns="117400" numCol="1" spcCol="0" rtlCol="0" fromWordArt="0" anchor="ctr" anchorCtr="0" forceAA="0" compatLnSpc="1">
-              <a:prstTxWarp prst="textNoShape">
-                <a:avLst/>
-              </a:prstTxWarp>
-              <a:noAutofit/>
-            </a:bodyPr>
-            <a:lstStyle/>
-            <a:p>
-              <a:pPr algn="ctr"/>
-              <a:r>
-                <a:rPr lang="zh-CN" altLang="en-US" sz="2311" dirty="0">
-                  <a:ea typeface="苏新诗柳楷繁" panose="02010600000101010101" pitchFamily="2" charset="-122"/>
-                </a:rPr>
-                <a:t>女洗手间</a:t>
-              </a:r>
-            </a:p>
-          </p:txBody>
-        </p:sp>
-        <p:sp>
-          <p:nvSpPr>
-            <p:cNvPr id="7" name="矩形 6"/>
-            <p:cNvSpPr/>
-            <p:nvPr/>
-          </p:nvSpPr>
-          <p:spPr>
-            <a:xfrm>
-              <a:off x="8765253" y="6504020"/>
-              <a:ext cx="1210696" cy="745984"/>
-            </a:xfrm>
-            <a:prstGeom prst="rect">
+            </a:prstTxWarp>
+            <a:noAutofit/>
+          </a:bodyPr>
+          <a:lstStyle/>
+          <a:p>
+            <a:pPr algn="ctr"/>
+            <a:r>
+              <a:rPr lang="en-US" altLang="zh-CN" sz="2000" dirty="0" smtClean="0">
+                <a:ea typeface="苏新诗柳楷繁" panose="02010600000101010101" pitchFamily="2" charset="-122"/>
+              </a:rPr>
+              <a:t>B449</a:t>
+            </a:r>
+          </a:p>
+          <a:p>
+            <a:pPr algn="ctr"/>
+            <a:r>
+              <a:rPr lang="zh-CN" altLang="en-US" sz="2000" dirty="0" smtClean="0">
+                <a:ea typeface="苏新诗柳楷繁" panose="02010600000101010101" pitchFamily="2" charset="-122"/>
+              </a:rPr>
+              <a:t>电子工艺</a:t>
+            </a:r>
+            <a:endParaRPr lang="en-US" altLang="zh-CN" sz="2000" dirty="0" smtClean="0">
+              <a:ea typeface="苏新诗柳楷繁" panose="02010600000101010101" pitchFamily="2" charset="-122"/>
+            </a:endParaRPr>
+          </a:p>
+          <a:p>
+            <a:pPr algn="ctr"/>
+            <a:r>
+              <a:rPr lang="zh-CN" altLang="en-US" sz="2000" dirty="0" smtClean="0">
+                <a:ea typeface="苏新诗柳楷繁" panose="02010600000101010101" pitchFamily="2" charset="-122"/>
+              </a:rPr>
+              <a:t>实验室</a:t>
+            </a:r>
+            <a:endParaRPr lang="zh-CN" altLang="en-US" sz="2000" dirty="0">
+              <a:ea typeface="苏新诗柳楷繁" panose="02010600000101010101" pitchFamily="2" charset="-122"/>
+            </a:endParaRPr>
+          </a:p>
+        </p:txBody>
+      </p:sp>
+      <p:sp>
+        <p:nvSpPr>
+          <p:cNvPr id="33" name="任意多边形 32"/>
+          <p:cNvSpPr/>
+          <p:nvPr/>
+        </p:nvSpPr>
+        <p:spPr>
+          <a:xfrm>
+            <a:off x="4465756" y="3287721"/>
+            <a:ext cx="1207736" cy="1320760"/>
+          </a:xfrm>
+          <a:custGeom>
+            <a:avLst/>
+            <a:gdLst>
+              <a:gd name="connsiteX0" fmla="*/ 0 w 1207736"/>
+              <a:gd name="connsiteY0" fmla="*/ 0 h 1320760"/>
+              <a:gd name="connsiteX1" fmla="*/ 874870 w 1207736"/>
+              <a:gd name="connsiteY1" fmla="*/ 0 h 1320760"/>
+              <a:gd name="connsiteX2" fmla="*/ 874870 w 1207736"/>
+              <a:gd name="connsiteY2" fmla="*/ 237356 h 1320760"/>
+              <a:gd name="connsiteX3" fmla="*/ 1207736 w 1207736"/>
+              <a:gd name="connsiteY3" fmla="*/ 237356 h 1320760"/>
+              <a:gd name="connsiteX4" fmla="*/ 1207736 w 1207736"/>
+              <a:gd name="connsiteY4" fmla="*/ 1320759 h 1320760"/>
+              <a:gd name="connsiteX5" fmla="*/ 874870 w 1207736"/>
+              <a:gd name="connsiteY5" fmla="*/ 1320759 h 1320760"/>
+              <a:gd name="connsiteX6" fmla="*/ 874870 w 1207736"/>
+              <a:gd name="connsiteY6" fmla="*/ 1320760 h 1320760"/>
+              <a:gd name="connsiteX7" fmla="*/ 0 w 1207736"/>
+              <a:gd name="connsiteY7" fmla="*/ 1320760 h 1320760"/>
+            </a:gdLst>
+            <a:ahLst/>
+            <a:cxnLst>
+              <a:cxn ang="0">
+                <a:pos x="connsiteX0" y="connsiteY0"/>
+              </a:cxn>
+              <a:cxn ang="0">
+                <a:pos x="connsiteX1" y="connsiteY1"/>
+              </a:cxn>
+              <a:cxn ang="0">
+                <a:pos x="connsiteX2" y="connsiteY2"/>
+              </a:cxn>
+              <a:cxn ang="0">
+                <a:pos x="connsiteX3" y="connsiteY3"/>
+              </a:cxn>
+              <a:cxn ang="0">
+                <a:pos x="connsiteX4" y="connsiteY4"/>
+              </a:cxn>
+              <a:cxn ang="0">
+                <a:pos x="connsiteX5" y="connsiteY5"/>
+              </a:cxn>
+              <a:cxn ang="0">
+                <a:pos x="connsiteX6" y="connsiteY6"/>
+              </a:cxn>
+              <a:cxn ang="0">
+                <a:pos x="connsiteX7" y="connsiteY7"/>
+              </a:cxn>
+            </a:cxnLst>
+            <a:rect l="l" t="t" r="r" b="b"/>
+            <a:pathLst>
+              <a:path w="1207736" h="1320760">
+                <a:moveTo>
+                  <a:pt x="0" y="0"/>
+                </a:moveTo>
+                <a:lnTo>
+                  <a:pt x="874870" y="0"/>
+                </a:lnTo>
+                <a:lnTo>
+                  <a:pt x="874870" y="237356"/>
+                </a:lnTo>
+                <a:lnTo>
+                  <a:pt x="1207736" y="237356"/>
+                </a:lnTo>
+                <a:lnTo>
+                  <a:pt x="1207736" y="1320759"/>
+                </a:lnTo>
+                <a:lnTo>
+                  <a:pt x="874870" y="1320759"/>
+                </a:lnTo>
+                <a:lnTo>
+                  <a:pt x="874870" y="1320760"/>
+                </a:lnTo>
+                <a:lnTo>
+                  <a:pt x="0" y="1320760"/>
+                </a:lnTo>
+                <a:close/>
+              </a:path>
+            </a:pathLst>
+          </a:custGeom>
+          <a:solidFill>
+            <a:schemeClr val="accent2"/>
+          </a:solidFill>
+          <a:ln>
+            <a:noFill/>
+          </a:ln>
+          <a:scene3d>
+            <a:camera prst="orthographicFront"/>
+            <a:lightRig rig="balanced" dir="t"/>
+          </a:scene3d>
+        </p:spPr>
+        <p:style>
+          <a:lnRef idx="2">
+            <a:schemeClr val="accent1">
+              <a:shade val="50000"/>
+            </a:schemeClr>
+          </a:lnRef>
+          <a:fillRef idx="1">
+            <a:schemeClr val="accent1"/>
+          </a:fillRef>
+          <a:effectRef idx="0">
+            <a:schemeClr val="accent1"/>
+          </a:effectRef>
+          <a:fontRef idx="minor">
+            <a:schemeClr val="lt1"/>
+          </a:fontRef>
+        </p:style>
+        <p:txBody>
+          <a:bodyPr rot="0" spcFirstLastPara="0" vertOverflow="overflow" horzOverflow="overflow" vert="horz" wrap="square" lIns="0" tIns="117400" rIns="0" bIns="117400" numCol="1" spcCol="0" rtlCol="0" fromWordArt="0" anchor="ctr" anchorCtr="0" forceAA="0" compatLnSpc="1">
+            <a:prstTxWarp prst="textNoShape">
               <a:avLst/>
-            </a:prstGeom>
-            <a:ln>
-              <a:noFill/>
-            </a:ln>
-            <a:scene3d>
-              <a:camera prst="orthographicFront"/>
-              <a:lightRig rig="balanced" dir="t"/>
-            </a:scene3d>
-          </p:spPr>
-          <p:style>
-            <a:lnRef idx="2">
-              <a:schemeClr val="accent1">
-                <a:shade val="50000"/>
-              </a:schemeClr>
-            </a:lnRef>
-            <a:fillRef idx="1">
-              <a:schemeClr val="accent1"/>
-            </a:fillRef>
-            <a:effectRef idx="0">
-              <a:schemeClr val="accent1"/>
-            </a:effectRef>
-            <a:fontRef idx="minor">
-              <a:schemeClr val="lt1"/>
-            </a:fontRef>
-          </p:style>
-          <p:txBody>
-            <a:bodyPr rot="0" spcFirstLastPara="0" vertOverflow="overflow" horzOverflow="overflow" vert="horz" wrap="square" lIns="0" tIns="117400" rIns="0" bIns="117400" numCol="1" spcCol="0" rtlCol="0" fromWordArt="0" anchor="ctr" anchorCtr="0" forceAA="0" compatLnSpc="1">
-              <a:prstTxWarp prst="textNoShape">
-                <a:avLst/>
-              </a:prstTxWarp>
-              <a:noAutofit/>
-            </a:bodyPr>
-            <a:lstStyle/>
-            <a:p>
-              <a:pPr algn="ctr"/>
-              <a:r>
-                <a:rPr lang="zh-CN" altLang="en-US" sz="2311" dirty="0">
-                  <a:ea typeface="苏新诗柳楷繁" panose="02010600000101010101" pitchFamily="2" charset="-122"/>
-                </a:rPr>
-                <a:t>男洗手间</a:t>
-              </a:r>
-            </a:p>
-          </p:txBody>
-        </p:sp>
-        <p:sp>
-          <p:nvSpPr>
-            <p:cNvPr id="8" name="任意多边形 7"/>
-            <p:cNvSpPr/>
-            <p:nvPr/>
-          </p:nvSpPr>
-          <p:spPr>
-            <a:xfrm>
-              <a:off x="10086008" y="5213825"/>
-              <a:ext cx="3526965" cy="2036176"/>
-            </a:xfrm>
-            <a:custGeom>
-              <a:avLst/>
-              <a:gdLst>
-                <a:gd name="connsiteX0" fmla="*/ 0 w 1454639"/>
-                <a:gd name="connsiteY0" fmla="*/ 217882 h 792958"/>
-                <a:gd name="connsiteX1" fmla="*/ 581023 w 1454639"/>
-                <a:gd name="connsiteY1" fmla="*/ 217882 h 792958"/>
-                <a:gd name="connsiteX2" fmla="*/ 581023 w 1454639"/>
-                <a:gd name="connsiteY2" fmla="*/ 792957 h 792958"/>
-                <a:gd name="connsiteX3" fmla="*/ 0 w 1454639"/>
-                <a:gd name="connsiteY3" fmla="*/ 792957 h 792958"/>
-                <a:gd name="connsiteX4" fmla="*/ 581024 w 1454639"/>
-                <a:gd name="connsiteY4" fmla="*/ 0 h 792958"/>
-                <a:gd name="connsiteX5" fmla="*/ 1454639 w 1454639"/>
-                <a:gd name="connsiteY5" fmla="*/ 0 h 792958"/>
-                <a:gd name="connsiteX6" fmla="*/ 1454639 w 1454639"/>
-                <a:gd name="connsiteY6" fmla="*/ 792958 h 792958"/>
-                <a:gd name="connsiteX7" fmla="*/ 581024 w 1454639"/>
-                <a:gd name="connsiteY7" fmla="*/ 792958 h 792958"/>
-              </a:gdLst>
-              <a:ahLst/>
-              <a:cxnLst>
-                <a:cxn ang="0">
-                  <a:pos x="connsiteX0" y="connsiteY0"/>
-                </a:cxn>
-                <a:cxn ang="0">
-                  <a:pos x="connsiteX1" y="connsiteY1"/>
-                </a:cxn>
-                <a:cxn ang="0">
-                  <a:pos x="connsiteX2" y="connsiteY2"/>
-                </a:cxn>
-                <a:cxn ang="0">
-                  <a:pos x="connsiteX3" y="connsiteY3"/>
-                </a:cxn>
-                <a:cxn ang="0">
-                  <a:pos x="connsiteX4" y="connsiteY4"/>
-                </a:cxn>
-                <a:cxn ang="0">
-                  <a:pos x="connsiteX5" y="connsiteY5"/>
-                </a:cxn>
-                <a:cxn ang="0">
-                  <a:pos x="connsiteX6" y="connsiteY6"/>
-                </a:cxn>
-                <a:cxn ang="0">
-                  <a:pos x="connsiteX7" y="connsiteY7"/>
-                </a:cxn>
-              </a:cxnLst>
-              <a:rect l="l" t="t" r="r" b="b"/>
-              <a:pathLst>
-                <a:path w="1454639" h="792958">
-                  <a:moveTo>
-                    <a:pt x="0" y="217882"/>
-                  </a:moveTo>
-                  <a:lnTo>
-                    <a:pt x="581023" y="217882"/>
-                  </a:lnTo>
-                  <a:lnTo>
-                    <a:pt x="581023" y="792957"/>
-                  </a:lnTo>
-                  <a:lnTo>
-                    <a:pt x="0" y="792957"/>
-                  </a:lnTo>
-                  <a:close/>
-                  <a:moveTo>
-                    <a:pt x="581024" y="0"/>
-                  </a:moveTo>
-                  <a:lnTo>
-                    <a:pt x="1454639" y="0"/>
-                  </a:lnTo>
-                  <a:lnTo>
-                    <a:pt x="1454639" y="792958"/>
-                  </a:lnTo>
-                  <a:lnTo>
-                    <a:pt x="581024" y="792958"/>
-                  </a:lnTo>
-                  <a:close/>
-                </a:path>
-              </a:pathLst>
-            </a:custGeom>
-            <a:solidFill>
-              <a:schemeClr val="accent2"/>
-            </a:solidFill>
-            <a:ln>
-              <a:noFill/>
-            </a:ln>
-            <a:scene3d>
-              <a:camera prst="orthographicFront"/>
-              <a:lightRig rig="balanced" dir="t"/>
-            </a:scene3d>
-          </p:spPr>
-          <p:style>
-            <a:lnRef idx="2">
-              <a:schemeClr val="accent1">
-                <a:shade val="50000"/>
-              </a:schemeClr>
-            </a:lnRef>
-            <a:fillRef idx="1">
-              <a:schemeClr val="accent1"/>
-            </a:fillRef>
-            <a:effectRef idx="0">
-              <a:schemeClr val="accent1"/>
-            </a:effectRef>
-            <a:fontRef idx="minor">
-              <a:schemeClr val="lt1"/>
-            </a:fontRef>
-          </p:style>
-          <p:txBody>
-            <a:bodyPr rot="0" spcFirstLastPara="0" vertOverflow="overflow" horzOverflow="overflow" vert="horz" wrap="square" lIns="234802" tIns="117400" rIns="234802" bIns="117400" numCol="1" spcCol="0" rtlCol="0" fromWordArt="0" anchor="ctr" anchorCtr="0" forceAA="0" compatLnSpc="1">
-              <a:prstTxWarp prst="textNoShape">
-                <a:avLst/>
-              </a:prstTxWarp>
-              <a:noAutofit/>
-            </a:bodyPr>
-            <a:lstStyle/>
-            <a:p>
-              <a:pPr algn="ctr"/>
-              <a:r>
-                <a:rPr lang="en-US" altLang="zh-CN" sz="3595" dirty="0" smtClean="0">
-                  <a:ea typeface="苏新诗柳楷繁" panose="02010600000101010101" pitchFamily="2" charset="-122"/>
-                </a:rPr>
-                <a:t>      B438</a:t>
-              </a:r>
-            </a:p>
-            <a:p>
-              <a:pPr algn="ctr"/>
-              <a:r>
-                <a:rPr lang="zh-CN" altLang="en-US" sz="3595" dirty="0" smtClean="0">
-                  <a:ea typeface="苏新诗柳楷繁" panose="02010600000101010101" pitchFamily="2" charset="-122"/>
-                </a:rPr>
-                <a:t>电子实习</a:t>
-              </a:r>
-              <a:endParaRPr lang="en-US" altLang="zh-CN" sz="3595" dirty="0" smtClean="0">
+            </a:prstTxWarp>
+            <a:noAutofit/>
+          </a:bodyPr>
+          <a:lstStyle/>
+          <a:p>
+            <a:pPr algn="ctr"/>
+            <a:r>
+              <a:rPr lang="en-US" altLang="zh-CN" sz="2000" dirty="0" smtClean="0">
                 <a:ea typeface="苏新诗柳楷繁" panose="02010600000101010101" pitchFamily="2" charset="-122"/>
-              </a:endParaRPr>
-            </a:p>
-            <a:p>
-              <a:pPr algn="ctr"/>
-              <a:r>
-                <a:rPr lang="zh-CN" altLang="en-US" sz="3595" dirty="0" smtClean="0">
-                  <a:ea typeface="苏新诗柳楷繁" panose="02010600000101010101" pitchFamily="2" charset="-122"/>
-                </a:rPr>
-                <a:t>第一教室</a:t>
-              </a:r>
-              <a:endParaRPr lang="zh-CN" altLang="en-US" sz="3595" dirty="0">
+              </a:rPr>
+              <a:t>B451</a:t>
+            </a:r>
+          </a:p>
+          <a:p>
+            <a:pPr algn="ctr"/>
+            <a:r>
+              <a:rPr lang="zh-CN" altLang="en-US" sz="2000" dirty="0" smtClean="0">
                 <a:ea typeface="苏新诗柳楷繁" panose="02010600000101010101" pitchFamily="2" charset="-122"/>
-              </a:endParaRPr>
-            </a:p>
-          </p:txBody>
-        </p:sp>
-        <p:sp>
-          <p:nvSpPr>
-            <p:cNvPr id="9" name="矩形 8"/>
-            <p:cNvSpPr/>
-            <p:nvPr/>
-          </p:nvSpPr>
-          <p:spPr>
-            <a:xfrm>
-              <a:off x="6215455" y="5611278"/>
-              <a:ext cx="666492" cy="1638721"/>
-            </a:xfrm>
-            <a:prstGeom prst="rect">
-              <a:avLst/>
-            </a:prstGeom>
-            <a:solidFill>
-              <a:schemeClr val="accent1"/>
-            </a:solidFill>
-            <a:ln>
-              <a:noFill/>
-            </a:ln>
-            <a:scene3d>
-              <a:camera prst="orthographicFront"/>
-              <a:lightRig rig="balanced" dir="t"/>
-            </a:scene3d>
-          </p:spPr>
-          <p:style>
-            <a:lnRef idx="2">
-              <a:schemeClr val="accent1">
-                <a:shade val="50000"/>
-              </a:schemeClr>
-            </a:lnRef>
-            <a:fillRef idx="1">
-              <a:schemeClr val="accent1"/>
-            </a:fillRef>
-            <a:effectRef idx="0">
-              <a:schemeClr val="accent1"/>
-            </a:effectRef>
-            <a:fontRef idx="minor">
-              <a:schemeClr val="lt1"/>
-            </a:fontRef>
-          </p:style>
-          <p:txBody>
-            <a:bodyPr rot="0" spcFirstLastPara="0" vertOverflow="overflow" horzOverflow="overflow" vert="horz" wrap="square" lIns="234802" tIns="117400" rIns="234802" bIns="117400" numCol="1" spcCol="0" rtlCol="0" fromWordArt="0" anchor="ctr" anchorCtr="0" forceAA="0" compatLnSpc="1">
-              <a:prstTxWarp prst="textNoShape">
-                <a:avLst/>
-              </a:prstTxWarp>
-              <a:noAutofit/>
-            </a:bodyPr>
-            <a:lstStyle/>
-            <a:p>
-              <a:pPr algn="ctr"/>
-              <a:r>
-                <a:rPr lang="zh-CN" altLang="en-US" sz="3595" dirty="0">
-                  <a:ea typeface="苏新诗柳楷繁" panose="02010600000101010101" pitchFamily="2" charset="-122"/>
-                </a:rPr>
-                <a:t>楼梯</a:t>
-              </a:r>
-            </a:p>
-          </p:txBody>
-        </p:sp>
-        <p:sp>
-          <p:nvSpPr>
-            <p:cNvPr id="10" name="矩形 9"/>
-            <p:cNvSpPr/>
-            <p:nvPr/>
-          </p:nvSpPr>
-          <p:spPr>
-            <a:xfrm>
-              <a:off x="7572907" y="5513444"/>
-              <a:ext cx="568650" cy="599235"/>
-            </a:xfrm>
-            <a:prstGeom prst="rect">
-              <a:avLst/>
-            </a:prstGeom>
-            <a:ln>
-              <a:noFill/>
-            </a:ln>
-            <a:scene3d>
-              <a:camera prst="orthographicFront"/>
-              <a:lightRig rig="balanced" dir="t"/>
-            </a:scene3d>
-          </p:spPr>
-          <p:style>
-            <a:lnRef idx="2">
-              <a:schemeClr val="accent1">
-                <a:shade val="50000"/>
-              </a:schemeClr>
-            </a:lnRef>
-            <a:fillRef idx="1">
-              <a:schemeClr val="accent1"/>
-            </a:fillRef>
-            <a:effectRef idx="0">
-              <a:schemeClr val="accent1"/>
-            </a:effectRef>
-            <a:fontRef idx="minor">
-              <a:schemeClr val="lt1"/>
-            </a:fontRef>
-          </p:style>
-          <p:txBody>
-            <a:bodyPr rot="0" spcFirstLastPara="0" vertOverflow="overflow" horzOverflow="overflow" vert="horz" wrap="square" lIns="234802" tIns="117400" rIns="234802" bIns="117400" numCol="1" spcCol="0" rtlCol="0" fromWordArt="0" anchor="ctr" anchorCtr="0" forceAA="0" compatLnSpc="1">
-              <a:prstTxWarp prst="textNoShape">
-                <a:avLst/>
-              </a:prstTxWarp>
-              <a:noAutofit/>
-            </a:bodyPr>
-            <a:lstStyle/>
-            <a:p>
-              <a:pPr algn="ctr"/>
-              <a:r>
-                <a:rPr lang="zh-CN" altLang="en-US" sz="1797" dirty="0">
-                  <a:ea typeface="苏新诗柳楷繁" panose="02010600000101010101" pitchFamily="2" charset="-122"/>
-                </a:rPr>
-                <a:t>电梯</a:t>
-              </a:r>
-            </a:p>
-          </p:txBody>
-        </p:sp>
-        <p:sp>
-          <p:nvSpPr>
-            <p:cNvPr id="11" name="矩形 10"/>
-            <p:cNvSpPr/>
-            <p:nvPr/>
-          </p:nvSpPr>
-          <p:spPr>
-            <a:xfrm>
-              <a:off x="7572907" y="6176875"/>
-              <a:ext cx="568650" cy="599235"/>
-            </a:xfrm>
-            <a:prstGeom prst="rect">
-              <a:avLst/>
-            </a:prstGeom>
-            <a:ln>
-              <a:noFill/>
-            </a:ln>
-            <a:scene3d>
-              <a:camera prst="orthographicFront"/>
-              <a:lightRig rig="balanced" dir="t"/>
-            </a:scene3d>
-          </p:spPr>
-          <p:style>
-            <a:lnRef idx="2">
-              <a:schemeClr val="accent1">
-                <a:shade val="50000"/>
-              </a:schemeClr>
-            </a:lnRef>
-            <a:fillRef idx="1">
-              <a:schemeClr val="accent1"/>
-            </a:fillRef>
-            <a:effectRef idx="0">
-              <a:schemeClr val="accent1"/>
-            </a:effectRef>
-            <a:fontRef idx="minor">
-              <a:schemeClr val="lt1"/>
-            </a:fontRef>
-          </p:style>
-          <p:txBody>
-            <a:bodyPr rot="0" spcFirstLastPara="0" vertOverflow="overflow" horzOverflow="overflow" vert="horz" wrap="square" lIns="234802" tIns="117400" rIns="234802" bIns="117400" numCol="1" spcCol="0" rtlCol="0" fromWordArt="0" anchor="ctr" anchorCtr="0" forceAA="0" compatLnSpc="1">
-              <a:prstTxWarp prst="textNoShape">
-                <a:avLst/>
-              </a:prstTxWarp>
-              <a:noAutofit/>
-            </a:bodyPr>
-            <a:lstStyle/>
-            <a:p>
-              <a:pPr algn="ctr"/>
-              <a:r>
-                <a:rPr lang="zh-CN" altLang="en-US" sz="1797" dirty="0">
-                  <a:ea typeface="苏新诗柳楷繁" panose="02010600000101010101" pitchFamily="2" charset="-122"/>
-                </a:rPr>
-                <a:t>电梯</a:t>
-              </a:r>
-            </a:p>
-          </p:txBody>
-        </p:sp>
-        <p:sp>
-          <p:nvSpPr>
-            <p:cNvPr id="12" name="任意多边形 11"/>
-            <p:cNvSpPr/>
-            <p:nvPr/>
-          </p:nvSpPr>
-          <p:spPr>
-            <a:xfrm>
-              <a:off x="6967576" y="6873944"/>
-              <a:ext cx="1173981" cy="376058"/>
-            </a:xfrm>
-            <a:custGeom>
-              <a:avLst/>
-              <a:gdLst>
-                <a:gd name="connsiteX0" fmla="*/ 235737 w 457189"/>
-                <a:gd name="connsiteY0" fmla="*/ 0 h 146450"/>
-                <a:gd name="connsiteX1" fmla="*/ 457189 w 457189"/>
-                <a:gd name="connsiteY1" fmla="*/ 0 h 146450"/>
-                <a:gd name="connsiteX2" fmla="*/ 457189 w 457189"/>
-                <a:gd name="connsiteY2" fmla="*/ 146450 h 146450"/>
-                <a:gd name="connsiteX3" fmla="*/ 235737 w 457189"/>
-                <a:gd name="connsiteY3" fmla="*/ 146450 h 146450"/>
-                <a:gd name="connsiteX4" fmla="*/ 235737 w 457189"/>
-                <a:gd name="connsiteY4" fmla="*/ 146449 h 146450"/>
-                <a:gd name="connsiteX5" fmla="*/ 0 w 457189"/>
-                <a:gd name="connsiteY5" fmla="*/ 146449 h 146450"/>
-                <a:gd name="connsiteX6" fmla="*/ 0 w 457189"/>
-                <a:gd name="connsiteY6" fmla="*/ 100730 h 146450"/>
-                <a:gd name="connsiteX7" fmla="*/ 235737 w 457189"/>
-                <a:gd name="connsiteY7" fmla="*/ 100730 h 146450"/>
-              </a:gdLst>
-              <a:ahLst/>
-              <a:cxnLst>
-                <a:cxn ang="0">
-                  <a:pos x="connsiteX0" y="connsiteY0"/>
-                </a:cxn>
-                <a:cxn ang="0">
-                  <a:pos x="connsiteX1" y="connsiteY1"/>
-                </a:cxn>
-                <a:cxn ang="0">
-                  <a:pos x="connsiteX2" y="connsiteY2"/>
-                </a:cxn>
-                <a:cxn ang="0">
-                  <a:pos x="connsiteX3" y="connsiteY3"/>
-                </a:cxn>
-                <a:cxn ang="0">
-                  <a:pos x="connsiteX4" y="connsiteY4"/>
-                </a:cxn>
-                <a:cxn ang="0">
-                  <a:pos x="connsiteX5" y="connsiteY5"/>
-                </a:cxn>
-                <a:cxn ang="0">
-                  <a:pos x="connsiteX6" y="connsiteY6"/>
-                </a:cxn>
-                <a:cxn ang="0">
-                  <a:pos x="connsiteX7" y="connsiteY7"/>
-                </a:cxn>
-              </a:cxnLst>
-              <a:rect l="l" t="t" r="r" b="b"/>
-              <a:pathLst>
-                <a:path w="457189" h="146450">
-                  <a:moveTo>
-                    <a:pt x="235737" y="0"/>
-                  </a:moveTo>
-                  <a:lnTo>
-                    <a:pt x="457189" y="0"/>
-                  </a:lnTo>
-                  <a:lnTo>
-                    <a:pt x="457189" y="146450"/>
-                  </a:lnTo>
-                  <a:lnTo>
-                    <a:pt x="235737" y="146450"/>
-                  </a:lnTo>
-                  <a:lnTo>
-                    <a:pt x="235737" y="146449"/>
-                  </a:lnTo>
-                  <a:lnTo>
-                    <a:pt x="0" y="146449"/>
-                  </a:lnTo>
-                  <a:lnTo>
-                    <a:pt x="0" y="100730"/>
-                  </a:lnTo>
-                  <a:lnTo>
-                    <a:pt x="235737" y="100730"/>
-                  </a:lnTo>
-                  <a:close/>
-                </a:path>
-              </a:pathLst>
-            </a:custGeom>
-            <a:solidFill>
-              <a:schemeClr val="accent3"/>
-            </a:solidFill>
-            <a:ln>
-              <a:noFill/>
-            </a:ln>
-            <a:scene3d>
-              <a:camera prst="orthographicFront"/>
-              <a:lightRig rig="balanced" dir="t"/>
-            </a:scene3d>
-          </p:spPr>
-          <p:style>
-            <a:lnRef idx="2">
-              <a:schemeClr val="accent1">
-                <a:shade val="50000"/>
-              </a:schemeClr>
-            </a:lnRef>
-            <a:fillRef idx="1">
-              <a:schemeClr val="accent1"/>
-            </a:fillRef>
-            <a:effectRef idx="0">
-              <a:schemeClr val="accent1"/>
-            </a:effectRef>
-            <a:fontRef idx="minor">
-              <a:schemeClr val="lt1"/>
-            </a:fontRef>
-          </p:style>
-          <p:txBody>
-            <a:bodyPr rot="0" spcFirstLastPara="0" vertOverflow="overflow" horzOverflow="overflow" vert="horz" wrap="square" lIns="234802" tIns="117400" rIns="234802" bIns="117400" numCol="1" spcCol="0" rtlCol="0" fromWordArt="0" anchor="ctr" anchorCtr="0" forceAA="0" compatLnSpc="1">
-              <a:prstTxWarp prst="textNoShape">
-                <a:avLst/>
-              </a:prstTxWarp>
-              <a:noAutofit/>
-            </a:bodyPr>
-            <a:lstStyle/>
-            <a:p>
-              <a:pPr algn="ctr"/>
-              <a:endParaRPr lang="zh-CN" altLang="en-US" sz="3595">
+              </a:rPr>
+              <a:t>电子工艺</a:t>
+            </a:r>
+            <a:endParaRPr lang="en-US" altLang="zh-CN" sz="2000" dirty="0" smtClean="0">
+              <a:ea typeface="苏新诗柳楷繁" panose="02010600000101010101" pitchFamily="2" charset="-122"/>
+            </a:endParaRPr>
+          </a:p>
+          <a:p>
+            <a:pPr algn="ctr"/>
+            <a:r>
+              <a:rPr lang="zh-CN" altLang="en-US" sz="2000" dirty="0" smtClean="0">
                 <a:ea typeface="苏新诗柳楷繁" panose="02010600000101010101" pitchFamily="2" charset="-122"/>
-              </a:endParaRPr>
-            </a:p>
-          </p:txBody>
-        </p:sp>
-        <p:sp>
-          <p:nvSpPr>
-            <p:cNvPr id="13" name="矩形 12"/>
-            <p:cNvSpPr/>
-            <p:nvPr/>
-          </p:nvSpPr>
-          <p:spPr>
-            <a:xfrm>
-              <a:off x="10086008" y="5219944"/>
-              <a:ext cx="1259608" cy="452486"/>
-            </a:xfrm>
-            <a:prstGeom prst="rect">
-              <a:avLst/>
-            </a:prstGeom>
-            <a:solidFill>
-              <a:schemeClr val="accent3"/>
-            </a:solidFill>
-            <a:ln>
-              <a:noFill/>
-            </a:ln>
-            <a:scene3d>
-              <a:camera prst="orthographicFront"/>
-              <a:lightRig rig="balanced" dir="t"/>
-            </a:scene3d>
-          </p:spPr>
-          <p:style>
-            <a:lnRef idx="2">
-              <a:schemeClr val="accent1">
-                <a:shade val="50000"/>
-              </a:schemeClr>
-            </a:lnRef>
-            <a:fillRef idx="1">
-              <a:schemeClr val="accent1"/>
-            </a:fillRef>
-            <a:effectRef idx="0">
-              <a:schemeClr val="accent1"/>
-            </a:effectRef>
-            <a:fontRef idx="minor">
-              <a:schemeClr val="lt1"/>
-            </a:fontRef>
-          </p:style>
-          <p:txBody>
-            <a:bodyPr rot="0" spcFirstLastPara="0" vertOverflow="overflow" horzOverflow="overflow" vert="horz" wrap="square" lIns="234802" tIns="117400" rIns="234802" bIns="117400" numCol="1" spcCol="0" rtlCol="0" fromWordArt="0" anchor="ctr" anchorCtr="0" forceAA="0" compatLnSpc="1">
-              <a:prstTxWarp prst="textNoShape">
-                <a:avLst/>
-              </a:prstTxWarp>
-              <a:noAutofit/>
-            </a:bodyPr>
-            <a:lstStyle/>
-            <a:p>
-              <a:pPr algn="ctr"/>
-              <a:endParaRPr lang="zh-CN" altLang="en-US" sz="3595">
-                <a:ea typeface="苏新诗柳楷繁" panose="02010600000101010101" pitchFamily="2" charset="-122"/>
-              </a:endParaRPr>
-            </a:p>
-          </p:txBody>
-        </p:sp>
-        <p:sp>
-          <p:nvSpPr>
-            <p:cNvPr id="14" name="矩形 13"/>
-            <p:cNvSpPr/>
-            <p:nvPr/>
-          </p:nvSpPr>
-          <p:spPr>
-            <a:xfrm>
-              <a:off x="6215455" y="5219944"/>
-              <a:ext cx="666492" cy="317961"/>
-            </a:xfrm>
-            <a:prstGeom prst="rect">
-              <a:avLst/>
-            </a:prstGeom>
-            <a:solidFill>
-              <a:schemeClr val="accent3"/>
-            </a:solidFill>
-            <a:ln>
-              <a:noFill/>
-            </a:ln>
-            <a:scene3d>
-              <a:camera prst="orthographicFront"/>
-              <a:lightRig rig="balanced" dir="t"/>
-            </a:scene3d>
-          </p:spPr>
-          <p:style>
-            <a:lnRef idx="2">
-              <a:schemeClr val="accent1">
-                <a:shade val="50000"/>
-              </a:schemeClr>
-            </a:lnRef>
-            <a:fillRef idx="1">
-              <a:schemeClr val="accent1"/>
-            </a:fillRef>
-            <a:effectRef idx="0">
-              <a:schemeClr val="accent1"/>
-            </a:effectRef>
-            <a:fontRef idx="minor">
-              <a:schemeClr val="lt1"/>
-            </a:fontRef>
-          </p:style>
-          <p:txBody>
-            <a:bodyPr rot="0" spcFirstLastPara="0" vertOverflow="overflow" horzOverflow="overflow" vert="horz" wrap="square" lIns="234802" tIns="117400" rIns="234802" bIns="117400" numCol="1" spcCol="0" rtlCol="0" fromWordArt="0" anchor="ctr" anchorCtr="0" forceAA="0" compatLnSpc="1">
-              <a:prstTxWarp prst="textNoShape">
-                <a:avLst/>
-              </a:prstTxWarp>
-              <a:noAutofit/>
-            </a:bodyPr>
-            <a:lstStyle/>
-            <a:p>
-              <a:pPr algn="ctr"/>
-              <a:endParaRPr lang="zh-CN" altLang="en-US" sz="3595">
-                <a:ea typeface="苏新诗柳楷繁" panose="02010600000101010101" pitchFamily="2" charset="-122"/>
-              </a:endParaRPr>
-            </a:p>
-          </p:txBody>
-        </p:sp>
-        <p:sp>
-          <p:nvSpPr>
-            <p:cNvPr id="15" name="矩形 14"/>
-            <p:cNvSpPr/>
-            <p:nvPr/>
-          </p:nvSpPr>
-          <p:spPr>
-            <a:xfrm>
-              <a:off x="7585124" y="5219947"/>
-              <a:ext cx="556429" cy="244585"/>
-            </a:xfrm>
-            <a:prstGeom prst="rect">
-              <a:avLst/>
-            </a:prstGeom>
-            <a:solidFill>
-              <a:schemeClr val="accent3"/>
-            </a:solidFill>
-            <a:ln>
-              <a:noFill/>
-            </a:ln>
-            <a:scene3d>
-              <a:camera prst="orthographicFront"/>
-              <a:lightRig rig="balanced" dir="t"/>
-            </a:scene3d>
-          </p:spPr>
-          <p:style>
-            <a:lnRef idx="2">
-              <a:schemeClr val="accent1">
-                <a:shade val="50000"/>
-              </a:schemeClr>
-            </a:lnRef>
-            <a:fillRef idx="1">
-              <a:schemeClr val="accent1"/>
-            </a:fillRef>
-            <a:effectRef idx="0">
-              <a:schemeClr val="accent1"/>
-            </a:effectRef>
-            <a:fontRef idx="minor">
-              <a:schemeClr val="lt1"/>
-            </a:fontRef>
-          </p:style>
-          <p:txBody>
-            <a:bodyPr rot="0" spcFirstLastPara="0" vertOverflow="overflow" horzOverflow="overflow" vert="horz" wrap="square" lIns="234802" tIns="117400" rIns="234802" bIns="117400" numCol="1" spcCol="0" rtlCol="0" fromWordArt="0" anchor="ctr" anchorCtr="0" forceAA="0" compatLnSpc="1">
-              <a:prstTxWarp prst="textNoShape">
-                <a:avLst/>
-              </a:prstTxWarp>
-              <a:noAutofit/>
-            </a:bodyPr>
-            <a:lstStyle/>
-            <a:p>
-              <a:pPr algn="ctr"/>
-              <a:endParaRPr lang="zh-CN" altLang="en-US" sz="3595">
-                <a:ea typeface="苏新诗柳楷繁" panose="02010600000101010101" pitchFamily="2" charset="-122"/>
-              </a:endParaRPr>
-            </a:p>
-          </p:txBody>
-        </p:sp>
-        <p:sp>
-          <p:nvSpPr>
-            <p:cNvPr id="16" name="任意多边形 15"/>
-            <p:cNvSpPr/>
-            <p:nvPr/>
-          </p:nvSpPr>
-          <p:spPr>
-            <a:xfrm>
-              <a:off x="4454431" y="3287721"/>
-              <a:ext cx="1235157" cy="1320760"/>
-            </a:xfrm>
-            <a:custGeom>
-              <a:avLst/>
-              <a:gdLst>
-                <a:gd name="connsiteX0" fmla="*/ 0 w 736279"/>
-                <a:gd name="connsiteY0" fmla="*/ 0 h 514350"/>
-                <a:gd name="connsiteX1" fmla="*/ 369408 w 736279"/>
-                <a:gd name="connsiteY1" fmla="*/ 0 h 514350"/>
-                <a:gd name="connsiteX2" fmla="*/ 369408 w 736279"/>
-                <a:gd name="connsiteY2" fmla="*/ 71388 h 514350"/>
-                <a:gd name="connsiteX3" fmla="*/ 736279 w 736279"/>
-                <a:gd name="connsiteY3" fmla="*/ 71388 h 514350"/>
-                <a:gd name="connsiteX4" fmla="*/ 736279 w 736279"/>
-                <a:gd name="connsiteY4" fmla="*/ 514349 h 514350"/>
-                <a:gd name="connsiteX5" fmla="*/ 369408 w 736279"/>
-                <a:gd name="connsiteY5" fmla="*/ 514349 h 514350"/>
-                <a:gd name="connsiteX6" fmla="*/ 369408 w 736279"/>
-                <a:gd name="connsiteY6" fmla="*/ 514350 h 514350"/>
-                <a:gd name="connsiteX7" fmla="*/ 0 w 736279"/>
-                <a:gd name="connsiteY7" fmla="*/ 514350 h 514350"/>
-              </a:gdLst>
-              <a:ahLst/>
-              <a:cxnLst>
-                <a:cxn ang="0">
-                  <a:pos x="connsiteX0" y="connsiteY0"/>
-                </a:cxn>
-                <a:cxn ang="0">
-                  <a:pos x="connsiteX1" y="connsiteY1"/>
-                </a:cxn>
-                <a:cxn ang="0">
-                  <a:pos x="connsiteX2" y="connsiteY2"/>
-                </a:cxn>
-                <a:cxn ang="0">
-                  <a:pos x="connsiteX3" y="connsiteY3"/>
-                </a:cxn>
-                <a:cxn ang="0">
-                  <a:pos x="connsiteX4" y="connsiteY4"/>
-                </a:cxn>
-                <a:cxn ang="0">
-                  <a:pos x="connsiteX5" y="connsiteY5"/>
-                </a:cxn>
-                <a:cxn ang="0">
-                  <a:pos x="connsiteX6" y="connsiteY6"/>
-                </a:cxn>
-                <a:cxn ang="0">
-                  <a:pos x="connsiteX7" y="connsiteY7"/>
-                </a:cxn>
-              </a:cxnLst>
-              <a:rect l="l" t="t" r="r" b="b"/>
-              <a:pathLst>
-                <a:path w="736279" h="514350">
-                  <a:moveTo>
-                    <a:pt x="0" y="0"/>
-                  </a:moveTo>
-                  <a:lnTo>
-                    <a:pt x="369408" y="0"/>
-                  </a:lnTo>
-                  <a:lnTo>
-                    <a:pt x="369408" y="71388"/>
-                  </a:lnTo>
-                  <a:lnTo>
-                    <a:pt x="736279" y="71388"/>
-                  </a:lnTo>
-                  <a:lnTo>
-                    <a:pt x="736279" y="514349"/>
-                  </a:lnTo>
-                  <a:lnTo>
-                    <a:pt x="369408" y="514349"/>
-                  </a:lnTo>
-                  <a:lnTo>
-                    <a:pt x="369408" y="514350"/>
-                  </a:lnTo>
-                  <a:lnTo>
-                    <a:pt x="0" y="514350"/>
-                  </a:lnTo>
-                  <a:close/>
-                </a:path>
-              </a:pathLst>
-            </a:custGeom>
-            <a:solidFill>
-              <a:schemeClr val="accent2"/>
-            </a:solidFill>
-            <a:ln>
-              <a:noFill/>
-            </a:ln>
-            <a:scene3d>
-              <a:camera prst="orthographicFront"/>
-              <a:lightRig rig="balanced" dir="t"/>
-            </a:scene3d>
-          </p:spPr>
-          <p:style>
-            <a:lnRef idx="2">
-              <a:schemeClr val="accent1">
-                <a:shade val="50000"/>
-              </a:schemeClr>
-            </a:lnRef>
-            <a:fillRef idx="1">
-              <a:schemeClr val="accent1"/>
-            </a:fillRef>
-            <a:effectRef idx="0">
-              <a:schemeClr val="accent1"/>
-            </a:effectRef>
-            <a:fontRef idx="minor">
-              <a:schemeClr val="lt1"/>
-            </a:fontRef>
-          </p:style>
-          <p:txBody>
-            <a:bodyPr rot="0" spcFirstLastPara="0" vertOverflow="overflow" horzOverflow="overflow" vert="horz" wrap="square" lIns="0" tIns="117400" rIns="0" bIns="117400" numCol="1" spcCol="0" rtlCol="0" fromWordArt="0" anchor="ctr" anchorCtr="0" forceAA="0" compatLnSpc="1">
-              <a:prstTxWarp prst="textNoShape">
-                <a:avLst/>
-              </a:prstTxWarp>
-              <a:noAutofit/>
-            </a:bodyPr>
-            <a:lstStyle/>
-            <a:p>
-              <a:pPr algn="ctr"/>
-              <a:endParaRPr lang="zh-CN" altLang="en-US" sz="3081" dirty="0">
-                <a:ea typeface="苏新诗柳楷繁" panose="02010600000101010101" pitchFamily="2" charset="-122"/>
-              </a:endParaRPr>
-            </a:p>
-          </p:txBody>
-        </p:sp>
-        <p:sp>
-          <p:nvSpPr>
-            <p:cNvPr id="17" name="矩形 16"/>
-            <p:cNvSpPr/>
-            <p:nvPr/>
-          </p:nvSpPr>
-          <p:spPr>
-            <a:xfrm>
-              <a:off x="8171736" y="3287721"/>
-              <a:ext cx="1756392" cy="1320760"/>
-            </a:xfrm>
-            <a:prstGeom prst="rect">
-              <a:avLst/>
-            </a:prstGeom>
-            <a:solidFill>
-              <a:schemeClr val="accent2"/>
-            </a:solidFill>
-            <a:ln>
-              <a:noFill/>
-            </a:ln>
-            <a:scene3d>
-              <a:camera prst="orthographicFront"/>
-              <a:lightRig rig="balanced" dir="t"/>
-            </a:scene3d>
-          </p:spPr>
-          <p:style>
-            <a:lnRef idx="2">
-              <a:schemeClr val="accent1">
-                <a:shade val="50000"/>
-              </a:schemeClr>
-            </a:lnRef>
-            <a:fillRef idx="1">
-              <a:schemeClr val="accent1"/>
-            </a:fillRef>
-            <a:effectRef idx="0">
-              <a:schemeClr val="accent1"/>
-            </a:effectRef>
-            <a:fontRef idx="minor">
-              <a:schemeClr val="lt1"/>
-            </a:fontRef>
-          </p:style>
-          <p:txBody>
-            <a:bodyPr rot="0" spcFirstLastPara="0" vertOverflow="overflow" horzOverflow="overflow" vert="horz" wrap="square" lIns="0" tIns="117400" rIns="0" bIns="117400" numCol="1" spcCol="0" rtlCol="0" fromWordArt="0" anchor="ctr" anchorCtr="0" forceAA="0" compatLnSpc="1">
-              <a:prstTxWarp prst="textNoShape">
-                <a:avLst/>
-              </a:prstTxWarp>
-              <a:noAutofit/>
-            </a:bodyPr>
-            <a:lstStyle/>
-            <a:p>
-              <a:pPr algn="ctr"/>
-              <a:r>
-                <a:rPr lang="en-US" altLang="zh-CN" sz="3081" dirty="0">
-                  <a:ea typeface="苏新诗柳楷繁" panose="02010600000101010101" pitchFamily="2" charset="-122"/>
-                </a:rPr>
-                <a:t>B445</a:t>
-              </a:r>
-            </a:p>
-            <a:p>
-              <a:pPr algn="ctr"/>
-              <a:r>
-                <a:rPr lang="zh-CN" altLang="en-US" sz="3081" dirty="0">
-                  <a:ea typeface="苏新诗柳楷繁" panose="02010600000101010101" pitchFamily="2" charset="-122"/>
-                </a:rPr>
-                <a:t>学生社团</a:t>
-              </a:r>
-            </a:p>
-          </p:txBody>
-        </p:sp>
-        <p:sp>
-          <p:nvSpPr>
-            <p:cNvPr id="18" name="矩形 17"/>
-            <p:cNvSpPr/>
-            <p:nvPr/>
-          </p:nvSpPr>
-          <p:spPr>
-            <a:xfrm>
-              <a:off x="2271513" y="5213825"/>
-              <a:ext cx="3791110" cy="2030060"/>
-            </a:xfrm>
-            <a:prstGeom prst="rect">
-              <a:avLst/>
-            </a:prstGeom>
-            <a:solidFill>
-              <a:schemeClr val="accent2"/>
-            </a:solidFill>
-            <a:ln>
-              <a:noFill/>
-            </a:ln>
-            <a:scene3d>
-              <a:camera prst="orthographicFront"/>
-              <a:lightRig rig="balanced" dir="t"/>
-            </a:scene3d>
-          </p:spPr>
-          <p:style>
-            <a:lnRef idx="2">
-              <a:schemeClr val="accent1">
-                <a:shade val="50000"/>
-              </a:schemeClr>
-            </a:lnRef>
-            <a:fillRef idx="1">
-              <a:schemeClr val="accent1"/>
-            </a:fillRef>
-            <a:effectRef idx="0">
-              <a:schemeClr val="accent1"/>
-            </a:effectRef>
-            <a:fontRef idx="minor">
-              <a:schemeClr val="lt1"/>
-            </a:fontRef>
-          </p:style>
-          <p:txBody>
-            <a:bodyPr rot="0" spcFirstLastPara="0" vertOverflow="overflow" horzOverflow="overflow" vert="horz" wrap="square" lIns="234802" tIns="117400" rIns="234802" bIns="117400" numCol="1" spcCol="0" rtlCol="0" fromWordArt="0" anchor="ctr" anchorCtr="0" forceAA="0" compatLnSpc="1">
-              <a:prstTxWarp prst="textNoShape">
-                <a:avLst/>
-              </a:prstTxWarp>
-              <a:noAutofit/>
-            </a:bodyPr>
-            <a:lstStyle/>
-            <a:p>
-              <a:pPr algn="ctr"/>
-              <a:r>
-                <a:rPr lang="en-US" altLang="zh-CN" sz="3595" dirty="0" smtClean="0">
-                  <a:ea typeface="苏新诗柳楷繁" panose="02010600000101010101" pitchFamily="2" charset="-122"/>
-                </a:rPr>
-                <a:t>B450</a:t>
-              </a:r>
-              <a:endParaRPr lang="en-US" altLang="zh-CN" sz="3595" dirty="0">
-                <a:ea typeface="苏新诗柳楷繁" panose="02010600000101010101" pitchFamily="2" charset="-122"/>
-              </a:endParaRPr>
-            </a:p>
-            <a:p>
-              <a:pPr algn="ctr"/>
-              <a:r>
-                <a:rPr lang="zh-CN" altLang="en-US" sz="3595" dirty="0" smtClean="0">
-                  <a:ea typeface="苏新诗柳楷繁" panose="02010600000101010101" pitchFamily="2" charset="-122"/>
-                </a:rPr>
-                <a:t>电子实习</a:t>
-              </a:r>
-              <a:endParaRPr lang="en-US" altLang="zh-CN" sz="3595" dirty="0" smtClean="0">
-                <a:ea typeface="苏新诗柳楷繁" panose="02010600000101010101" pitchFamily="2" charset="-122"/>
-              </a:endParaRPr>
-            </a:p>
-            <a:p>
-              <a:pPr algn="ctr"/>
-              <a:r>
-                <a:rPr lang="zh-CN" altLang="en-US" sz="3595" dirty="0">
-                  <a:ea typeface="苏新诗柳楷繁" panose="02010600000101010101" pitchFamily="2" charset="-122"/>
-                </a:rPr>
-                <a:t>第二</a:t>
-              </a:r>
-              <a:r>
-                <a:rPr lang="zh-CN" altLang="en-US" sz="3595" dirty="0" smtClean="0">
-                  <a:ea typeface="苏新诗柳楷繁" panose="02010600000101010101" pitchFamily="2" charset="-122"/>
-                </a:rPr>
-                <a:t>教室</a:t>
-              </a:r>
-              <a:endParaRPr lang="zh-CN" altLang="en-US" sz="3595" dirty="0">
-                <a:ea typeface="苏新诗柳楷繁" panose="02010600000101010101" pitchFamily="2" charset="-122"/>
-              </a:endParaRPr>
-            </a:p>
-          </p:txBody>
-        </p:sp>
-        <p:sp>
-          <p:nvSpPr>
-            <p:cNvPr id="19" name="矩形 18"/>
-            <p:cNvSpPr/>
-            <p:nvPr/>
-          </p:nvSpPr>
-          <p:spPr>
-            <a:xfrm>
-              <a:off x="2265818" y="3287721"/>
-              <a:ext cx="1552696" cy="1320760"/>
-            </a:xfrm>
-            <a:prstGeom prst="rect">
-              <a:avLst/>
-            </a:prstGeom>
-            <a:solidFill>
-              <a:schemeClr val="accent2"/>
-            </a:solidFill>
-            <a:ln>
-              <a:noFill/>
-            </a:ln>
-            <a:scene3d>
-              <a:camera prst="orthographicFront"/>
-              <a:lightRig rig="balanced" dir="t"/>
-            </a:scene3d>
-          </p:spPr>
-          <p:style>
-            <a:lnRef idx="2">
-              <a:schemeClr val="accent1">
-                <a:shade val="50000"/>
-              </a:schemeClr>
-            </a:lnRef>
-            <a:fillRef idx="1">
-              <a:schemeClr val="accent1"/>
-            </a:fillRef>
-            <a:effectRef idx="0">
-              <a:schemeClr val="accent1"/>
-            </a:effectRef>
-            <a:fontRef idx="minor">
-              <a:schemeClr val="lt1"/>
-            </a:fontRef>
-          </p:style>
-          <p:txBody>
-            <a:bodyPr rot="0" spcFirstLastPara="0" vertOverflow="overflow" horzOverflow="overflow" vert="horz" wrap="square" lIns="0" tIns="117400" rIns="0" bIns="117400" numCol="1" spcCol="0" rtlCol="0" fromWordArt="0" anchor="ctr" anchorCtr="0" forceAA="0" compatLnSpc="1">
-              <a:prstTxWarp prst="textNoShape">
-                <a:avLst/>
-              </a:prstTxWarp>
-              <a:noAutofit/>
-            </a:bodyPr>
-            <a:lstStyle/>
-            <a:p>
-              <a:pPr algn="ctr"/>
-              <a:r>
-                <a:rPr lang="zh-CN" altLang="en-US" sz="3595" dirty="0" smtClean="0">
-                  <a:ea typeface="苏新诗柳楷繁" panose="02010600000101010101" pitchFamily="2" charset="-122"/>
-                </a:rPr>
-                <a:t>办公室</a:t>
-              </a:r>
-              <a:endParaRPr lang="zh-CN" altLang="en-US" sz="3595" dirty="0">
-                <a:ea typeface="苏新诗柳楷繁" panose="02010600000101010101" pitchFamily="2" charset="-122"/>
-              </a:endParaRPr>
-            </a:p>
-          </p:txBody>
-        </p:sp>
-        <p:sp>
-          <p:nvSpPr>
-            <p:cNvPr id="20" name="矩形 19"/>
-            <p:cNvSpPr/>
-            <p:nvPr/>
-          </p:nvSpPr>
-          <p:spPr>
-            <a:xfrm>
-              <a:off x="10014160" y="3287721"/>
-              <a:ext cx="1756392" cy="1320760"/>
-            </a:xfrm>
-            <a:prstGeom prst="rect">
-              <a:avLst/>
-            </a:prstGeom>
-            <a:solidFill>
-              <a:schemeClr val="accent2"/>
-            </a:solidFill>
-            <a:ln>
-              <a:noFill/>
-            </a:ln>
-            <a:scene3d>
-              <a:camera prst="orthographicFront"/>
-              <a:lightRig rig="balanced" dir="t"/>
-            </a:scene3d>
-          </p:spPr>
-          <p:style>
-            <a:lnRef idx="2">
-              <a:schemeClr val="accent1">
-                <a:shade val="50000"/>
-              </a:schemeClr>
-            </a:lnRef>
-            <a:fillRef idx="1">
-              <a:schemeClr val="accent1"/>
-            </a:fillRef>
-            <a:effectRef idx="0">
-              <a:schemeClr val="accent1"/>
-            </a:effectRef>
-            <a:fontRef idx="minor">
-              <a:schemeClr val="lt1"/>
-            </a:fontRef>
-          </p:style>
-          <p:txBody>
-            <a:bodyPr rot="0" spcFirstLastPara="0" vertOverflow="overflow" horzOverflow="overflow" vert="horz" wrap="square" lIns="0" tIns="117400" rIns="0" bIns="117400" numCol="1" spcCol="0" rtlCol="0" fromWordArt="0" anchor="ctr" anchorCtr="0" forceAA="0" compatLnSpc="1">
-              <a:prstTxWarp prst="textNoShape">
-                <a:avLst/>
-              </a:prstTxWarp>
-              <a:noAutofit/>
-            </a:bodyPr>
-            <a:lstStyle/>
-            <a:p>
-              <a:pPr algn="ctr"/>
-              <a:r>
-                <a:rPr lang="en-US" altLang="zh-CN" sz="3081" dirty="0">
-                  <a:ea typeface="苏新诗柳楷繁" panose="02010600000101010101" pitchFamily="2" charset="-122"/>
-                </a:rPr>
-                <a:t>B439</a:t>
-              </a:r>
-            </a:p>
-            <a:p>
-              <a:pPr algn="ctr"/>
-              <a:r>
-                <a:rPr lang="zh-CN" altLang="en-US" sz="3081" dirty="0">
-                  <a:ea typeface="苏新诗柳楷繁" panose="02010600000101010101" pitchFamily="2" charset="-122"/>
-                </a:rPr>
-                <a:t>学生社团</a:t>
-              </a:r>
-            </a:p>
-          </p:txBody>
-        </p:sp>
-        <p:sp>
-          <p:nvSpPr>
-            <p:cNvPr id="21" name="矩形 20"/>
-            <p:cNvSpPr/>
-            <p:nvPr/>
-          </p:nvSpPr>
-          <p:spPr>
-            <a:xfrm>
-              <a:off x="11856581" y="3287721"/>
-              <a:ext cx="1756392" cy="1320760"/>
-            </a:xfrm>
-            <a:prstGeom prst="rect">
-              <a:avLst/>
-            </a:prstGeom>
-            <a:solidFill>
-              <a:schemeClr val="accent2"/>
-            </a:solidFill>
-            <a:ln>
-              <a:noFill/>
-            </a:ln>
-            <a:scene3d>
-              <a:camera prst="orthographicFront"/>
-              <a:lightRig rig="balanced" dir="t"/>
-            </a:scene3d>
-          </p:spPr>
-          <p:style>
-            <a:lnRef idx="2">
-              <a:schemeClr val="accent1">
-                <a:shade val="50000"/>
-              </a:schemeClr>
-            </a:lnRef>
-            <a:fillRef idx="1">
-              <a:schemeClr val="accent1"/>
-            </a:fillRef>
-            <a:effectRef idx="0">
-              <a:schemeClr val="accent1"/>
-            </a:effectRef>
-            <a:fontRef idx="minor">
-              <a:schemeClr val="lt1"/>
-            </a:fontRef>
-          </p:style>
-          <p:txBody>
-            <a:bodyPr rot="0" spcFirstLastPara="0" vertOverflow="overflow" horzOverflow="overflow" vert="horz" wrap="square" lIns="0" tIns="117400" rIns="0" bIns="117400" numCol="1" spcCol="0" rtlCol="0" fromWordArt="0" anchor="ctr" anchorCtr="0" forceAA="0" compatLnSpc="1">
-              <a:prstTxWarp prst="textNoShape">
-                <a:avLst/>
-              </a:prstTxWarp>
-              <a:noAutofit/>
-            </a:bodyPr>
-            <a:lstStyle/>
-            <a:p>
-              <a:pPr algn="ctr"/>
-              <a:r>
-                <a:rPr lang="en-US" altLang="zh-CN" sz="3081" dirty="0">
-                  <a:ea typeface="苏新诗柳楷繁" panose="02010600000101010101" pitchFamily="2" charset="-122"/>
-                </a:rPr>
-                <a:t>B436</a:t>
-              </a:r>
-            </a:p>
-            <a:p>
-              <a:pPr algn="ctr"/>
-              <a:r>
-                <a:rPr lang="zh-CN" altLang="en-US" sz="3081" dirty="0">
-                  <a:ea typeface="苏新诗柳楷繁" panose="02010600000101010101" pitchFamily="2" charset="-122"/>
-                </a:rPr>
-                <a:t>学生社团</a:t>
-              </a:r>
-            </a:p>
-          </p:txBody>
-        </p:sp>
-        <p:sp>
-          <p:nvSpPr>
-            <p:cNvPr id="22" name="矩形 21"/>
-            <p:cNvSpPr/>
-            <p:nvPr/>
-          </p:nvSpPr>
-          <p:spPr>
-            <a:xfrm>
-              <a:off x="13816260" y="3285002"/>
-              <a:ext cx="1914649" cy="1320760"/>
-            </a:xfrm>
-            <a:prstGeom prst="rect">
-              <a:avLst/>
-            </a:prstGeom>
-            <a:noFill/>
-            <a:ln>
-              <a:noFill/>
-            </a:ln>
-          </p:spPr>
-          <p:style>
-            <a:lnRef idx="2">
-              <a:schemeClr val="accent1">
-                <a:shade val="50000"/>
-              </a:schemeClr>
-            </a:lnRef>
-            <a:fillRef idx="1">
-              <a:schemeClr val="accent1"/>
-            </a:fillRef>
-            <a:effectRef idx="0">
-              <a:schemeClr val="accent1"/>
-            </a:effectRef>
-            <a:fontRef idx="minor">
-              <a:schemeClr val="lt1"/>
-            </a:fontRef>
-          </p:style>
-          <p:txBody>
-            <a:bodyPr rot="0" spcFirstLastPara="0" vertOverflow="overflow" horzOverflow="overflow" vert="horz" wrap="square" lIns="234802" tIns="117400" rIns="234802" bIns="117400" numCol="1" spcCol="0" rtlCol="0" fromWordArt="0" anchor="ctr" anchorCtr="0" forceAA="0" compatLnSpc="1">
-              <a:prstTxWarp prst="textNoShape">
-                <a:avLst/>
-              </a:prstTxWarp>
-              <a:noAutofit/>
-            </a:bodyPr>
-            <a:lstStyle/>
-            <a:p>
-              <a:pPr algn="ctr"/>
-              <a:endParaRPr lang="zh-CN" altLang="en-US" sz="4623"/>
-            </a:p>
-          </p:txBody>
-        </p:sp>
-        <p:sp>
-          <p:nvSpPr>
-            <p:cNvPr id="25" name="矩形 24"/>
-            <p:cNvSpPr/>
-            <p:nvPr/>
-          </p:nvSpPr>
-          <p:spPr>
-            <a:xfrm>
-              <a:off x="2265816" y="3287720"/>
-              <a:ext cx="11347158" cy="3956165"/>
-            </a:xfrm>
-            <a:prstGeom prst="rect">
-              <a:avLst/>
-            </a:prstGeom>
-            <a:noFill/>
-            <a:ln>
-              <a:solidFill>
-                <a:schemeClr val="bg2">
-                  <a:lumMod val="90000"/>
-                </a:schemeClr>
-              </a:solidFill>
-            </a:ln>
-          </p:spPr>
-          <p:style>
-            <a:lnRef idx="2">
-              <a:schemeClr val="accent1">
-                <a:shade val="50000"/>
-              </a:schemeClr>
-            </a:lnRef>
-            <a:fillRef idx="1">
-              <a:schemeClr val="accent1"/>
-            </a:fillRef>
-            <a:effectRef idx="0">
-              <a:schemeClr val="accent1"/>
-            </a:effectRef>
-            <a:fontRef idx="minor">
-              <a:schemeClr val="lt1"/>
-            </a:fontRef>
-          </p:style>
-          <p:txBody>
-            <a:bodyPr rot="0" spcFirstLastPara="0" vertOverflow="overflow" horzOverflow="overflow" vert="horz" wrap="square" lIns="234802" tIns="117400" rIns="234802" bIns="117400" numCol="1" spcCol="0" rtlCol="0" fromWordArt="0" anchor="ctr" anchorCtr="0" forceAA="0" compatLnSpc="1">
-              <a:prstTxWarp prst="textNoShape">
-                <a:avLst/>
-              </a:prstTxWarp>
-              <a:noAutofit/>
-            </a:bodyPr>
-            <a:lstStyle/>
-            <a:p>
-              <a:pPr algn="ctr"/>
-              <a:endParaRPr lang="zh-CN" altLang="en-US" sz="4623"/>
-            </a:p>
-          </p:txBody>
-        </p:sp>
-      </p:grpSp>
+              </a:rPr>
+              <a:t>实验室</a:t>
+            </a:r>
+            <a:endParaRPr lang="zh-CN" altLang="en-US" sz="2000" dirty="0">
+              <a:ea typeface="苏新诗柳楷繁" panose="02010600000101010101" pitchFamily="2" charset="-122"/>
+            </a:endParaRPr>
+          </a:p>
+        </p:txBody>
+      </p:sp>
     </p:spTree>
     <p:extLst>
       <p:ext uri="{BB962C8B-B14F-4D97-AF65-F5344CB8AC3E}">
